--- a/bishops/cs321/resources/CS321_Lecture_11.pptx
+++ b/bishops/cs321/resources/CS321_Lecture_11.pptx
@@ -162,7 +162,7 @@
   </p:defaultTextStyle>
   <p:extLst>
     <p:ext uri="{EFAFB233-063F-42B5-8137-9DF3F51BA10A}">
-      <p15:sldGuideLst xmlns:p15="http://schemas.microsoft.com/office/powerpoint/2012/main" xmlns=""/>
+      <p15:sldGuideLst xmlns="" xmlns:p15="http://schemas.microsoft.com/office/powerpoint/2012/main"/>
     </p:ext>
   </p:extLst>
 </p:presentation>
@@ -173,7 +173,7 @@
   <p:cmAuthor id="1" name="Gregory" initials="G" lastIdx="1" clrIdx="0">
     <p:extLst>
       <p:ext uri="{19B8F6BF-5375-455C-9EA6-DF929625EA0E}">
-        <p15:presenceInfo xmlns:p15="http://schemas.microsoft.com/office/powerpoint/2012/main" xmlns="" userId="Gregory" providerId="None"/>
+        <p15:presenceInfo xmlns="" xmlns:p15="http://schemas.microsoft.com/office/powerpoint/2012/main" userId="Gregory" providerId="None"/>
       </p:ext>
     </p:extLst>
   </p:cmAuthor>
@@ -263,7 +263,7 @@
             <a:fld id="{A6583E9D-07AB-4C6D-BFD0-47E805C6B3D4}" type="datetimeFigureOut">
               <a:rPr lang="en-CA" smtClean="0"/>
               <a:pPr/>
-              <a:t>2024-02-19</a:t>
+              <a:t>2025-01-05</a:t>
             </a:fld>
             <a:endParaRPr lang="en-CA"/>
           </a:p>
@@ -432,7 +432,7 @@
     </p:spTree>
     <p:extLst>
       <p:ext uri="{BB962C8B-B14F-4D97-AF65-F5344CB8AC3E}">
-        <p14:creationId xmlns:p14="http://schemas.microsoft.com/office/powerpoint/2010/main" xmlns="" val="4237529172"/>
+        <p14:creationId xmlns="" xmlns:p14="http://schemas.microsoft.com/office/powerpoint/2010/main" val="4237529172"/>
       </p:ext>
     </p:extLst>
   </p:cSld>
@@ -607,7 +607,7 @@
     </p:spTree>
     <p:extLst>
       <p:ext uri="{BB962C8B-B14F-4D97-AF65-F5344CB8AC3E}">
-        <p14:creationId xmlns:p14="http://schemas.microsoft.com/office/powerpoint/2010/main" xmlns="" val="2340334442"/>
+        <p14:creationId xmlns="" xmlns:p14="http://schemas.microsoft.com/office/powerpoint/2010/main" val="2340334442"/>
       </p:ext>
     </p:extLst>
   </p:cSld>
@@ -692,7 +692,7 @@
     </p:spTree>
     <p:extLst>
       <p:ext uri="{BB962C8B-B14F-4D97-AF65-F5344CB8AC3E}">
-        <p14:creationId xmlns:p14="http://schemas.microsoft.com/office/powerpoint/2010/main" xmlns="" val="1679459458"/>
+        <p14:creationId xmlns="" xmlns:p14="http://schemas.microsoft.com/office/powerpoint/2010/main" val="1679459458"/>
       </p:ext>
     </p:extLst>
   </p:cSld>
@@ -896,7 +896,7 @@
     </p:spTree>
     <p:extLst>
       <p:ext uri="{BB962C8B-B14F-4D97-AF65-F5344CB8AC3E}">
-        <p14:creationId xmlns:p14="http://schemas.microsoft.com/office/powerpoint/2010/main" xmlns="" val="1900560834"/>
+        <p14:creationId xmlns="" xmlns:p14="http://schemas.microsoft.com/office/powerpoint/2010/main" val="1900560834"/>
       </p:ext>
     </p:extLst>
   </p:cSld>
@@ -1070,7 +1070,7 @@
     </p:spTree>
     <p:extLst>
       <p:ext uri="{BB962C8B-B14F-4D97-AF65-F5344CB8AC3E}">
-        <p14:creationId xmlns:p14="http://schemas.microsoft.com/office/powerpoint/2010/main" xmlns="" val="3722958745"/>
+        <p14:creationId xmlns="" xmlns:p14="http://schemas.microsoft.com/office/powerpoint/2010/main" val="3722958745"/>
       </p:ext>
     </p:extLst>
   </p:cSld>
@@ -1306,7 +1306,7 @@
     </p:spTree>
     <p:extLst>
       <p:ext uri="{BB962C8B-B14F-4D97-AF65-F5344CB8AC3E}">
-        <p14:creationId xmlns:p14="http://schemas.microsoft.com/office/powerpoint/2010/main" xmlns="" val="1822376042"/>
+        <p14:creationId xmlns="" xmlns:p14="http://schemas.microsoft.com/office/powerpoint/2010/main" val="1822376042"/>
       </p:ext>
     </p:extLst>
   </p:cSld>
@@ -1556,7 +1556,7 @@
     </p:spTree>
     <p:extLst>
       <p:ext uri="{BB962C8B-B14F-4D97-AF65-F5344CB8AC3E}">
-        <p14:creationId xmlns:p14="http://schemas.microsoft.com/office/powerpoint/2010/main" xmlns="" val="3411672561"/>
+        <p14:creationId xmlns="" xmlns:p14="http://schemas.microsoft.com/office/powerpoint/2010/main" val="3411672561"/>
       </p:ext>
     </p:extLst>
   </p:cSld>
@@ -1792,7 +1792,7 @@
     </p:spTree>
     <p:extLst>
       <p:ext uri="{BB962C8B-B14F-4D97-AF65-F5344CB8AC3E}">
-        <p14:creationId xmlns:p14="http://schemas.microsoft.com/office/powerpoint/2010/main" xmlns="" val="1093008526"/>
+        <p14:creationId xmlns="" xmlns:p14="http://schemas.microsoft.com/office/powerpoint/2010/main" val="1093008526"/>
       </p:ext>
     </p:extLst>
   </p:cSld>
@@ -2163,7 +2163,7 @@
     </p:spTree>
     <p:extLst>
       <p:ext uri="{BB962C8B-B14F-4D97-AF65-F5344CB8AC3E}">
-        <p14:creationId xmlns:p14="http://schemas.microsoft.com/office/powerpoint/2010/main" xmlns="" val="1087924878"/>
+        <p14:creationId xmlns="" xmlns:p14="http://schemas.microsoft.com/office/powerpoint/2010/main" val="1087924878"/>
       </p:ext>
     </p:extLst>
   </p:cSld>
@@ -2285,7 +2285,7 @@
     </p:spTree>
     <p:extLst>
       <p:ext uri="{BB962C8B-B14F-4D97-AF65-F5344CB8AC3E}">
-        <p14:creationId xmlns:p14="http://schemas.microsoft.com/office/powerpoint/2010/main" xmlns="" val="3802387408"/>
+        <p14:creationId xmlns="" xmlns:p14="http://schemas.microsoft.com/office/powerpoint/2010/main" val="3802387408"/>
       </p:ext>
     </p:extLst>
   </p:cSld>
@@ -2384,7 +2384,7 @@
     </p:spTree>
     <p:extLst>
       <p:ext uri="{BB962C8B-B14F-4D97-AF65-F5344CB8AC3E}">
-        <p14:creationId xmlns:p14="http://schemas.microsoft.com/office/powerpoint/2010/main" xmlns="" val="4234091411"/>
+        <p14:creationId xmlns="" xmlns:p14="http://schemas.microsoft.com/office/powerpoint/2010/main" val="4234091411"/>
       </p:ext>
     </p:extLst>
   </p:cSld>
@@ -2665,7 +2665,7 @@
     </p:spTree>
     <p:extLst>
       <p:ext uri="{BB962C8B-B14F-4D97-AF65-F5344CB8AC3E}">
-        <p14:creationId xmlns:p14="http://schemas.microsoft.com/office/powerpoint/2010/main" xmlns="" val="4189422420"/>
+        <p14:creationId xmlns="" xmlns:p14="http://schemas.microsoft.com/office/powerpoint/2010/main" val="4189422420"/>
       </p:ext>
     </p:extLst>
   </p:cSld>
@@ -2922,7 +2922,7 @@
     </p:spTree>
     <p:extLst>
       <p:ext uri="{BB962C8B-B14F-4D97-AF65-F5344CB8AC3E}">
-        <p14:creationId xmlns:p14="http://schemas.microsoft.com/office/powerpoint/2010/main" xmlns="" val="3252977898"/>
+        <p14:creationId xmlns="" xmlns:p14="http://schemas.microsoft.com/office/powerpoint/2010/main" val="3252977898"/>
       </p:ext>
     </p:extLst>
   </p:cSld>
@@ -3191,7 +3191,7 @@
           <a:blip r:embed="rId13" cstate="print">
             <a:extLst>
               <a:ext uri="{28A0092B-C50C-407E-A947-70E740481C1C}">
-                <a14:useLocalDpi xmlns:a14="http://schemas.microsoft.com/office/drawing/2010/main" xmlns="" val="0"/>
+                <a14:useLocalDpi xmlns="" xmlns:a14="http://schemas.microsoft.com/office/drawing/2010/main" val="0"/>
               </a:ext>
             </a:extLst>
           </a:blip>
@@ -3212,7 +3212,7 @@
     </p:spTree>
     <p:extLst>
       <p:ext uri="{BB962C8B-B14F-4D97-AF65-F5344CB8AC3E}">
-        <p14:creationId xmlns:p14="http://schemas.microsoft.com/office/powerpoint/2010/main" xmlns="" val="4230061028"/>
+        <p14:creationId xmlns="" xmlns:p14="http://schemas.microsoft.com/office/powerpoint/2010/main" val="4230061028"/>
       </p:ext>
     </p:extLst>
   </p:cSld>
@@ -3650,26 +3650,12 @@
           <a:p>
             <a:r>
               <a:rPr lang="en-CA" dirty="0"/>
-              <a:t>Prof: Gregory Mierzwinski</a:t>
-            </a:r>
-            <a:endParaRPr lang="en-CA" baseline="30000" dirty="0"/>
-          </a:p>
-          <a:p>
-            <a:r>
-              <a:rPr lang="en-CA" dirty="0"/>
-              <a:t>Date: </a:t>
-            </a:r>
-            <a:r>
-              <a:rPr lang="en-CA" smtClean="0"/>
-              <a:t>February 21, </a:t>
-            </a:r>
-            <a:r>
-              <a:rPr lang="en-CA" dirty="0" smtClean="0"/>
-              <a:t>2024</a:t>
-            </a:r>
-            <a:endParaRPr lang="en-CA" dirty="0"/>
-          </a:p>
-          <a:p>
+              <a:t>Prof: Gregory </a:t>
+            </a:r>
+            <a:r>
+              <a:rPr lang="en-CA" dirty="0" err="1" smtClean="0"/>
+              <a:t>Mierzwinski</a:t>
+            </a:r>
             <a:endParaRPr lang="en-CA" dirty="0"/>
           </a:p>
         </p:txBody>
@@ -3679,7 +3665,7 @@
           <p:cNvPr id="13" name="Picture 8" descr="http://osiris.ubishops.ca/~alussier/images/transparentlogo_bu.png">
             <a:extLst>
               <a:ext uri="{FF2B5EF4-FFF2-40B4-BE49-F238E27FC236}">
-                <a16:creationId xmlns:a16="http://schemas.microsoft.com/office/drawing/2014/main" xmlns="" id="{CCB9A035-2F1C-4B96-A5DB-70B72D6E4AD8}"/>
+                <a16:creationId xmlns="" xmlns:a16="http://schemas.microsoft.com/office/drawing/2014/main" id="{CCB9A035-2F1C-4B96-A5DB-70B72D6E4AD8}"/>
               </a:ext>
             </a:extLst>
           </p:cNvPr>
@@ -3692,7 +3678,7 @@
           <a:blip r:embed="rId3" cstate="print">
             <a:extLst>
               <a:ext uri="{28A0092B-C50C-407E-A947-70E740481C1C}">
-                <a14:useLocalDpi xmlns:a14="http://schemas.microsoft.com/office/drawing/2010/main" xmlns="" val="0"/>
+                <a14:useLocalDpi xmlns="" xmlns:a14="http://schemas.microsoft.com/office/drawing/2010/main" val="0"/>
               </a:ext>
             </a:extLst>
           </a:blip>
@@ -3712,7 +3698,7 @@
           <a:noFill/>
           <a:extLst>
             <a:ext uri="{909E8E84-426E-40DD-AFC4-6F175D3DCCD1}">
-              <a14:hiddenFill xmlns:a14="http://schemas.microsoft.com/office/drawing/2010/main" xmlns="">
+              <a14:hiddenFill xmlns="" xmlns:a14="http://schemas.microsoft.com/office/drawing/2010/main">
                 <a:solidFill>
                   <a:srgbClr val="FFFFFF"/>
                 </a:solidFill>
@@ -3724,7 +3710,7 @@
     </p:spTree>
     <p:extLst>
       <p:ext uri="{BB962C8B-B14F-4D97-AF65-F5344CB8AC3E}">
-        <p14:creationId xmlns:p14="http://schemas.microsoft.com/office/powerpoint/2010/main" xmlns="" val="4177077622"/>
+        <p14:creationId xmlns="" xmlns:p14="http://schemas.microsoft.com/office/powerpoint/2010/main" val="4177077622"/>
       </p:ext>
     </p:extLst>
   </p:cSld>
@@ -3860,7 +3846,7 @@
           <p:cNvPr id="7" name="Picture 3" descr="C:\WINDOWS\Desktop\Oh_type\savitch_gif\c14_rev\savitch_c14d04.gif">
             <a:extLst>
               <a:ext uri="{FF2B5EF4-FFF2-40B4-BE49-F238E27FC236}">
-                <a16:creationId xmlns:a16="http://schemas.microsoft.com/office/drawing/2014/main" xmlns="" id="{AB2E3E8A-2F12-4D0D-B647-C6DDEE771F8A}"/>
+                <a16:creationId xmlns="" xmlns:a16="http://schemas.microsoft.com/office/drawing/2014/main" id="{AB2E3E8A-2F12-4D0D-B647-C6DDEE771F8A}"/>
               </a:ext>
             </a:extLst>
           </p:cNvPr>
@@ -3877,7 +3863,7 @@
           <a:blip r:embed="rId3">
             <a:extLst>
               <a:ext uri="{28A0092B-C50C-407E-A947-70E740481C1C}">
-                <a14:useLocalDpi xmlns:a14="http://schemas.microsoft.com/office/drawing/2010/main" xmlns="" val="0"/>
+                <a14:useLocalDpi xmlns="" xmlns:a14="http://schemas.microsoft.com/office/drawing/2010/main" val="0"/>
               </a:ext>
             </a:extLst>
           </a:blip>
@@ -3900,14 +3886,14 @@
           </a:ln>
           <a:extLst>
             <a:ext uri="{909E8E84-426E-40DD-AFC4-6F175D3DCCD1}">
-              <a14:hiddenFill xmlns:a14="http://schemas.microsoft.com/office/drawing/2010/main" xmlns="">
+              <a14:hiddenFill xmlns="" xmlns:a14="http://schemas.microsoft.com/office/drawing/2010/main">
                 <a:solidFill>
                   <a:srgbClr val="FFFFFF"/>
                 </a:solidFill>
               </a14:hiddenFill>
             </a:ext>
             <a:ext uri="{91240B29-F687-4F45-9708-019B960494DF}">
-              <a14:hiddenLine xmlns:a14="http://schemas.microsoft.com/office/drawing/2010/main" xmlns="" w="9525">
+              <a14:hiddenLine xmlns="" xmlns:a14="http://schemas.microsoft.com/office/drawing/2010/main" w="9525">
                 <a:solidFill>
                   <a:srgbClr val="000000"/>
                 </a:solidFill>
@@ -3922,7 +3908,7 @@
     </p:spTree>
     <p:extLst>
       <p:ext uri="{BB962C8B-B14F-4D97-AF65-F5344CB8AC3E}">
-        <p14:creationId xmlns:p14="http://schemas.microsoft.com/office/powerpoint/2010/main" xmlns="" val="1435777542"/>
+        <p14:creationId xmlns="" xmlns:p14="http://schemas.microsoft.com/office/powerpoint/2010/main" val="1435777542"/>
       </p:ext>
     </p:extLst>
   </p:cSld>
@@ -4311,7 +4297,7 @@
     </p:spTree>
     <p:extLst>
       <p:ext uri="{BB962C8B-B14F-4D97-AF65-F5344CB8AC3E}">
-        <p14:creationId xmlns:p14="http://schemas.microsoft.com/office/powerpoint/2010/main" xmlns="" val="1126931943"/>
+        <p14:creationId xmlns="" xmlns:p14="http://schemas.microsoft.com/office/powerpoint/2010/main" val="1126931943"/>
       </p:ext>
     </p:extLst>
   </p:cSld>
@@ -4459,7 +4445,7 @@
           <p:cNvPr id="7" name="Picture 6">
             <a:extLst>
               <a:ext uri="{FF2B5EF4-FFF2-40B4-BE49-F238E27FC236}">
-                <a16:creationId xmlns:a16="http://schemas.microsoft.com/office/drawing/2014/main" xmlns="" id="{6F05ACED-AE0E-4F20-9A9D-681A7DE41D9C}"/>
+                <a16:creationId xmlns="" xmlns:a16="http://schemas.microsoft.com/office/drawing/2014/main" id="{6F05ACED-AE0E-4F20-9A9D-681A7DE41D9C}"/>
               </a:ext>
             </a:extLst>
           </p:cNvPr>
@@ -4472,7 +4458,7 @@
           <a:blip r:embed="rId2">
             <a:extLst>
               <a:ext uri="{28A0092B-C50C-407E-A947-70E740481C1C}">
-                <a14:useLocalDpi xmlns:a14="http://schemas.microsoft.com/office/drawing/2010/main" xmlns="" val="0"/>
+                <a14:useLocalDpi xmlns="" xmlns:a14="http://schemas.microsoft.com/office/drawing/2010/main" val="0"/>
               </a:ext>
             </a:extLst>
           </a:blip>
@@ -4495,14 +4481,14 @@
           </a:ln>
           <a:extLst>
             <a:ext uri="{909E8E84-426E-40DD-AFC4-6F175D3DCCD1}">
-              <a14:hiddenFill xmlns:a14="http://schemas.microsoft.com/office/drawing/2010/main" xmlns="">
+              <a14:hiddenFill xmlns="" xmlns:a14="http://schemas.microsoft.com/office/drawing/2010/main">
                 <a:solidFill>
                   <a:srgbClr val="FFFFFF"/>
                 </a:solidFill>
               </a14:hiddenFill>
             </a:ext>
             <a:ext uri="{91240B29-F687-4F45-9708-019B960494DF}">
-              <a14:hiddenLine xmlns:a14="http://schemas.microsoft.com/office/drawing/2010/main" xmlns="" w="9525">
+              <a14:hiddenLine xmlns="" xmlns:a14="http://schemas.microsoft.com/office/drawing/2010/main" w="9525">
                 <a:solidFill>
                   <a:srgbClr val="000000"/>
                 </a:solidFill>
@@ -4517,7 +4503,7 @@
     </p:spTree>
     <p:extLst>
       <p:ext uri="{BB962C8B-B14F-4D97-AF65-F5344CB8AC3E}">
-        <p14:creationId xmlns:p14="http://schemas.microsoft.com/office/powerpoint/2010/main" xmlns="" val="997206608"/>
+        <p14:creationId xmlns="" xmlns:p14="http://schemas.microsoft.com/office/powerpoint/2010/main" val="997206608"/>
       </p:ext>
     </p:extLst>
   </p:cSld>
@@ -4663,7 +4649,7 @@
           <p:cNvPr id="7" name="Picture 7">
             <a:extLst>
               <a:ext uri="{FF2B5EF4-FFF2-40B4-BE49-F238E27FC236}">
-                <a16:creationId xmlns:a16="http://schemas.microsoft.com/office/drawing/2014/main" xmlns="" id="{3854C3B0-6073-4038-A338-869259AF1483}"/>
+                <a16:creationId xmlns="" xmlns:a16="http://schemas.microsoft.com/office/drawing/2014/main" id="{3854C3B0-6073-4038-A338-869259AF1483}"/>
               </a:ext>
             </a:extLst>
           </p:cNvPr>
@@ -4676,7 +4662,7 @@
           <a:blip r:embed="rId2">
             <a:extLst>
               <a:ext uri="{28A0092B-C50C-407E-A947-70E740481C1C}">
-                <a14:useLocalDpi xmlns:a14="http://schemas.microsoft.com/office/drawing/2010/main" xmlns="" val="0"/>
+                <a14:useLocalDpi xmlns="" xmlns:a14="http://schemas.microsoft.com/office/drawing/2010/main" val="0"/>
               </a:ext>
             </a:extLst>
           </a:blip>
@@ -4699,14 +4685,14 @@
           </a:ln>
           <a:extLst>
             <a:ext uri="{909E8E84-426E-40DD-AFC4-6F175D3DCCD1}">
-              <a14:hiddenFill xmlns:a14="http://schemas.microsoft.com/office/drawing/2010/main" xmlns="">
+              <a14:hiddenFill xmlns="" xmlns:a14="http://schemas.microsoft.com/office/drawing/2010/main">
                 <a:solidFill>
                   <a:srgbClr val="FFFFFF"/>
                 </a:solidFill>
               </a14:hiddenFill>
             </a:ext>
             <a:ext uri="{91240B29-F687-4F45-9708-019B960494DF}">
-              <a14:hiddenLine xmlns:a14="http://schemas.microsoft.com/office/drawing/2010/main" xmlns="" w="9525">
+              <a14:hiddenLine xmlns="" xmlns:a14="http://schemas.microsoft.com/office/drawing/2010/main" w="9525">
                 <a:solidFill>
                   <a:srgbClr val="000000"/>
                 </a:solidFill>
@@ -4721,7 +4707,7 @@
     </p:spTree>
     <p:extLst>
       <p:ext uri="{BB962C8B-B14F-4D97-AF65-F5344CB8AC3E}">
-        <p14:creationId xmlns:p14="http://schemas.microsoft.com/office/powerpoint/2010/main" xmlns="" val="1364115844"/>
+        <p14:creationId xmlns="" xmlns:p14="http://schemas.microsoft.com/office/powerpoint/2010/main" val="1364115844"/>
       </p:ext>
     </p:extLst>
   </p:cSld>
@@ -4866,7 +4852,7 @@
           <p:cNvPr id="7" name="Picture 6">
             <a:extLst>
               <a:ext uri="{FF2B5EF4-FFF2-40B4-BE49-F238E27FC236}">
-                <a16:creationId xmlns:a16="http://schemas.microsoft.com/office/drawing/2014/main" xmlns="" id="{5653FCD1-B482-476C-B6C8-4791DCF3EAFF}"/>
+                <a16:creationId xmlns="" xmlns:a16="http://schemas.microsoft.com/office/drawing/2014/main" id="{5653FCD1-B482-476C-B6C8-4791DCF3EAFF}"/>
               </a:ext>
             </a:extLst>
           </p:cNvPr>
@@ -4879,7 +4865,7 @@
           <a:blip r:embed="rId2">
             <a:extLst>
               <a:ext uri="{28A0092B-C50C-407E-A947-70E740481C1C}">
-                <a14:useLocalDpi xmlns:a14="http://schemas.microsoft.com/office/drawing/2010/main" xmlns="" val="0"/>
+                <a14:useLocalDpi xmlns="" xmlns:a14="http://schemas.microsoft.com/office/drawing/2010/main" val="0"/>
               </a:ext>
             </a:extLst>
           </a:blip>
@@ -4902,14 +4888,14 @@
           </a:ln>
           <a:extLst>
             <a:ext uri="{909E8E84-426E-40DD-AFC4-6F175D3DCCD1}">
-              <a14:hiddenFill xmlns:a14="http://schemas.microsoft.com/office/drawing/2010/main" xmlns="">
+              <a14:hiddenFill xmlns="" xmlns:a14="http://schemas.microsoft.com/office/drawing/2010/main">
                 <a:solidFill>
                   <a:srgbClr val="FFFFFF"/>
                 </a:solidFill>
               </a14:hiddenFill>
             </a:ext>
             <a:ext uri="{91240B29-F687-4F45-9708-019B960494DF}">
-              <a14:hiddenLine xmlns:a14="http://schemas.microsoft.com/office/drawing/2010/main" xmlns="" w="9525">
+              <a14:hiddenLine xmlns="" xmlns:a14="http://schemas.microsoft.com/office/drawing/2010/main" w="9525">
                 <a:solidFill>
                   <a:srgbClr val="000000"/>
                 </a:solidFill>
@@ -4924,7 +4910,7 @@
     </p:spTree>
     <p:extLst>
       <p:ext uri="{BB962C8B-B14F-4D97-AF65-F5344CB8AC3E}">
-        <p14:creationId xmlns:p14="http://schemas.microsoft.com/office/powerpoint/2010/main" xmlns="" val="831713103"/>
+        <p14:creationId xmlns="" xmlns:p14="http://schemas.microsoft.com/office/powerpoint/2010/main" val="831713103"/>
       </p:ext>
     </p:extLst>
   </p:cSld>
@@ -5076,7 +5062,7 @@
           <p:cNvPr id="7" name="Picture 3" descr="C:\WINDOWS\Desktop\Oh_type\savitch_gif\c14_rev\savitch_c14d06_3of3.gif">
             <a:extLst>
               <a:ext uri="{FF2B5EF4-FFF2-40B4-BE49-F238E27FC236}">
-                <a16:creationId xmlns:a16="http://schemas.microsoft.com/office/drawing/2014/main" xmlns="" id="{6AA1F657-1079-4265-B6D1-2F9ED7CE6AB2}"/>
+                <a16:creationId xmlns="" xmlns:a16="http://schemas.microsoft.com/office/drawing/2014/main" id="{6AA1F657-1079-4265-B6D1-2F9ED7CE6AB2}"/>
               </a:ext>
             </a:extLst>
           </p:cNvPr>
@@ -5093,7 +5079,7 @@
           <a:blip r:embed="rId3">
             <a:extLst>
               <a:ext uri="{28A0092B-C50C-407E-A947-70E740481C1C}">
-                <a14:useLocalDpi xmlns:a14="http://schemas.microsoft.com/office/drawing/2010/main" xmlns="" val="0"/>
+                <a14:useLocalDpi xmlns="" xmlns:a14="http://schemas.microsoft.com/office/drawing/2010/main" val="0"/>
               </a:ext>
             </a:extLst>
           </a:blip>
@@ -5116,14 +5102,14 @@
           </a:ln>
           <a:extLst>
             <a:ext uri="{909E8E84-426E-40DD-AFC4-6F175D3DCCD1}">
-              <a14:hiddenFill xmlns:a14="http://schemas.microsoft.com/office/drawing/2010/main" xmlns="">
+              <a14:hiddenFill xmlns="" xmlns:a14="http://schemas.microsoft.com/office/drawing/2010/main">
                 <a:solidFill>
                   <a:srgbClr val="FFFFFF"/>
                 </a:solidFill>
               </a14:hiddenFill>
             </a:ext>
             <a:ext uri="{91240B29-F687-4F45-9708-019B960494DF}">
-              <a14:hiddenLine xmlns:a14="http://schemas.microsoft.com/office/drawing/2010/main" xmlns="" w="9525">
+              <a14:hiddenLine xmlns="" xmlns:a14="http://schemas.microsoft.com/office/drawing/2010/main" w="9525">
                 <a:solidFill>
                   <a:srgbClr val="000000"/>
                 </a:solidFill>
@@ -5140,7 +5126,7 @@
           <p:cNvPr id="8" name="Rectangle 2">
             <a:extLst>
               <a:ext uri="{FF2B5EF4-FFF2-40B4-BE49-F238E27FC236}">
-                <a16:creationId xmlns:a16="http://schemas.microsoft.com/office/drawing/2014/main" xmlns="" id="{A081C371-7F71-4475-AC69-7EB7299897D8}"/>
+                <a16:creationId xmlns="" xmlns:a16="http://schemas.microsoft.com/office/drawing/2014/main" id="{A081C371-7F71-4475-AC69-7EB7299897D8}"/>
               </a:ext>
             </a:extLst>
           </p:cNvPr>
@@ -5189,7 +5175,7 @@
     </p:spTree>
     <p:extLst>
       <p:ext uri="{BB962C8B-B14F-4D97-AF65-F5344CB8AC3E}">
-        <p14:creationId xmlns:p14="http://schemas.microsoft.com/office/powerpoint/2010/main" xmlns="" val="3252093137"/>
+        <p14:creationId xmlns="" xmlns:p14="http://schemas.microsoft.com/office/powerpoint/2010/main" val="3252093137"/>
       </p:ext>
     </p:extLst>
   </p:cSld>
@@ -5452,7 +5438,7 @@
     </p:spTree>
     <p:extLst>
       <p:ext uri="{BB962C8B-B14F-4D97-AF65-F5344CB8AC3E}">
-        <p14:creationId xmlns:p14="http://schemas.microsoft.com/office/powerpoint/2010/main" xmlns="" val="3830296394"/>
+        <p14:creationId xmlns="" xmlns:p14="http://schemas.microsoft.com/office/powerpoint/2010/main" val="3830296394"/>
       </p:ext>
     </p:extLst>
   </p:cSld>
@@ -5939,7 +5925,7 @@
     </p:spTree>
     <p:extLst>
       <p:ext uri="{BB962C8B-B14F-4D97-AF65-F5344CB8AC3E}">
-        <p14:creationId xmlns:p14="http://schemas.microsoft.com/office/powerpoint/2010/main" xmlns="" val="2505518182"/>
+        <p14:creationId xmlns="" xmlns:p14="http://schemas.microsoft.com/office/powerpoint/2010/main" val="2505518182"/>
       </p:ext>
     </p:extLst>
   </p:cSld>
@@ -6424,7 +6410,7 @@
     </p:spTree>
     <p:extLst>
       <p:ext uri="{BB962C8B-B14F-4D97-AF65-F5344CB8AC3E}">
-        <p14:creationId xmlns:p14="http://schemas.microsoft.com/office/powerpoint/2010/main" xmlns="" val="2488488659"/>
+        <p14:creationId xmlns="" xmlns:p14="http://schemas.microsoft.com/office/powerpoint/2010/main" val="2488488659"/>
       </p:ext>
     </p:extLst>
   </p:cSld>
@@ -6781,7 +6767,7 @@
     </p:spTree>
     <p:extLst>
       <p:ext uri="{BB962C8B-B14F-4D97-AF65-F5344CB8AC3E}">
-        <p14:creationId xmlns:p14="http://schemas.microsoft.com/office/powerpoint/2010/main" xmlns="" val="3791051558"/>
+        <p14:creationId xmlns="" xmlns:p14="http://schemas.microsoft.com/office/powerpoint/2010/main" val="3791051558"/>
       </p:ext>
     </p:extLst>
   </p:cSld>
@@ -6935,7 +6921,7 @@
     </p:spTree>
     <p:extLst>
       <p:ext uri="{BB962C8B-B14F-4D97-AF65-F5344CB8AC3E}">
-        <p14:creationId xmlns:p14="http://schemas.microsoft.com/office/powerpoint/2010/main" xmlns="" val="51204498"/>
+        <p14:creationId xmlns="" xmlns:p14="http://schemas.microsoft.com/office/powerpoint/2010/main" val="51204498"/>
       </p:ext>
     </p:extLst>
   </p:cSld>
@@ -7046,7 +7032,7 @@
           <p:cNvPr id="5" name="Content Placeholder 4">
             <a:extLst>
               <a:ext uri="{FF2B5EF4-FFF2-40B4-BE49-F238E27FC236}">
-                <a16:creationId xmlns:a16="http://schemas.microsoft.com/office/drawing/2014/main" xmlns="" id="{E7A4AEDF-43A3-4FA4-801B-03525EDA6289}"/>
+                <a16:creationId xmlns="" xmlns:a16="http://schemas.microsoft.com/office/drawing/2014/main" id="{E7A4AEDF-43A3-4FA4-801B-03525EDA6289}"/>
               </a:ext>
             </a:extLst>
           </p:cNvPr>
@@ -7077,7 +7063,7 @@
           <p:cNvPr id="9" name="Picture 6">
             <a:extLst>
               <a:ext uri="{FF2B5EF4-FFF2-40B4-BE49-F238E27FC236}">
-                <a16:creationId xmlns:a16="http://schemas.microsoft.com/office/drawing/2014/main" xmlns="" id="{D21EEBBC-7729-42CD-BEF1-7B0AD490B729}"/>
+                <a16:creationId xmlns="" xmlns:a16="http://schemas.microsoft.com/office/drawing/2014/main" id="{D21EEBBC-7729-42CD-BEF1-7B0AD490B729}"/>
               </a:ext>
             </a:extLst>
           </p:cNvPr>
@@ -7090,7 +7076,7 @@
           <a:blip r:embed="rId2">
             <a:extLst>
               <a:ext uri="{28A0092B-C50C-407E-A947-70E740481C1C}">
-                <a14:useLocalDpi xmlns:a14="http://schemas.microsoft.com/office/drawing/2010/main" xmlns="" val="0"/>
+                <a14:useLocalDpi xmlns="" xmlns:a14="http://schemas.microsoft.com/office/drawing/2010/main" val="0"/>
               </a:ext>
             </a:extLst>
           </a:blip>
@@ -7113,14 +7099,14 @@
           </a:ln>
           <a:extLst>
             <a:ext uri="{909E8E84-426E-40DD-AFC4-6F175D3DCCD1}">
-              <a14:hiddenFill xmlns:a14="http://schemas.microsoft.com/office/drawing/2010/main" xmlns="">
+              <a14:hiddenFill xmlns="" xmlns:a14="http://schemas.microsoft.com/office/drawing/2010/main">
                 <a:solidFill>
                   <a:srgbClr val="FFFFFF"/>
                 </a:solidFill>
               </a14:hiddenFill>
             </a:ext>
             <a:ext uri="{91240B29-F687-4F45-9708-019B960494DF}">
-              <a14:hiddenLine xmlns:a14="http://schemas.microsoft.com/office/drawing/2010/main" xmlns="" w="9525">
+              <a14:hiddenLine xmlns="" xmlns:a14="http://schemas.microsoft.com/office/drawing/2010/main" w="9525">
                 <a:solidFill>
                   <a:srgbClr val="000000"/>
                 </a:solidFill>
@@ -7135,7 +7121,7 @@
     </p:spTree>
     <p:extLst>
       <p:ext uri="{BB962C8B-B14F-4D97-AF65-F5344CB8AC3E}">
-        <p14:creationId xmlns:p14="http://schemas.microsoft.com/office/powerpoint/2010/main" xmlns="" val="3804451703"/>
+        <p14:creationId xmlns="" xmlns:p14="http://schemas.microsoft.com/office/powerpoint/2010/main" val="3804451703"/>
       </p:ext>
     </p:extLst>
   </p:cSld>
@@ -7313,7 +7299,7 @@
           <p:cNvPr id="7" name="Picture 3" descr="C:\WINDOWS\Desktop\Oh_type\savitch_gif\c14_rev\savitch_c14d07_3of3.gif">
             <a:extLst>
               <a:ext uri="{FF2B5EF4-FFF2-40B4-BE49-F238E27FC236}">
-                <a16:creationId xmlns:a16="http://schemas.microsoft.com/office/drawing/2014/main" xmlns="" id="{65FE63A7-2AAC-497C-866F-05136CB96353}"/>
+                <a16:creationId xmlns="" xmlns:a16="http://schemas.microsoft.com/office/drawing/2014/main" id="{65FE63A7-2AAC-497C-866F-05136CB96353}"/>
               </a:ext>
             </a:extLst>
           </p:cNvPr>
@@ -7330,7 +7316,7 @@
           <a:blip r:embed="rId3">
             <a:extLst>
               <a:ext uri="{28A0092B-C50C-407E-A947-70E740481C1C}">
-                <a14:useLocalDpi xmlns:a14="http://schemas.microsoft.com/office/drawing/2010/main" xmlns="" val="0"/>
+                <a14:useLocalDpi xmlns="" xmlns:a14="http://schemas.microsoft.com/office/drawing/2010/main" val="0"/>
               </a:ext>
             </a:extLst>
           </a:blip>
@@ -7353,14 +7339,14 @@
           </a:ln>
           <a:extLst>
             <a:ext uri="{909E8E84-426E-40DD-AFC4-6F175D3DCCD1}">
-              <a14:hiddenFill xmlns:a14="http://schemas.microsoft.com/office/drawing/2010/main" xmlns="">
+              <a14:hiddenFill xmlns="" xmlns:a14="http://schemas.microsoft.com/office/drawing/2010/main">
                 <a:solidFill>
                   <a:srgbClr val="FFFFFF"/>
                 </a:solidFill>
               </a14:hiddenFill>
             </a:ext>
             <a:ext uri="{91240B29-F687-4F45-9708-019B960494DF}">
-              <a14:hiddenLine xmlns:a14="http://schemas.microsoft.com/office/drawing/2010/main" xmlns="" w="9525">
+              <a14:hiddenLine xmlns="" xmlns:a14="http://schemas.microsoft.com/office/drawing/2010/main" w="9525">
                 <a:solidFill>
                   <a:srgbClr val="000000"/>
                 </a:solidFill>
@@ -7377,7 +7363,7 @@
           <p:cNvPr id="8" name="Rectangle 2">
             <a:extLst>
               <a:ext uri="{FF2B5EF4-FFF2-40B4-BE49-F238E27FC236}">
-                <a16:creationId xmlns:a16="http://schemas.microsoft.com/office/drawing/2014/main" xmlns="" id="{D3E5C985-71F7-4ABA-91F0-BB3341C87FB8}"/>
+                <a16:creationId xmlns="" xmlns:a16="http://schemas.microsoft.com/office/drawing/2014/main" id="{D3E5C985-71F7-4ABA-91F0-BB3341C87FB8}"/>
               </a:ext>
             </a:extLst>
           </p:cNvPr>
@@ -7426,7 +7412,7 @@
     </p:spTree>
     <p:extLst>
       <p:ext uri="{BB962C8B-B14F-4D97-AF65-F5344CB8AC3E}">
-        <p14:creationId xmlns:p14="http://schemas.microsoft.com/office/powerpoint/2010/main" xmlns="" val="896976673"/>
+        <p14:creationId xmlns="" xmlns:p14="http://schemas.microsoft.com/office/powerpoint/2010/main" val="896976673"/>
       </p:ext>
     </p:extLst>
   </p:cSld>
@@ -7676,7 +7662,7 @@
     </p:spTree>
     <p:extLst>
       <p:ext uri="{BB962C8B-B14F-4D97-AF65-F5344CB8AC3E}">
-        <p14:creationId xmlns:p14="http://schemas.microsoft.com/office/powerpoint/2010/main" xmlns="" val="2000495541"/>
+        <p14:creationId xmlns="" xmlns:p14="http://schemas.microsoft.com/office/powerpoint/2010/main" val="2000495541"/>
       </p:ext>
     </p:extLst>
   </p:cSld>
@@ -7854,7 +7840,7 @@
           <p:cNvPr id="7" name="Picture 6">
             <a:extLst>
               <a:ext uri="{FF2B5EF4-FFF2-40B4-BE49-F238E27FC236}">
-                <a16:creationId xmlns:a16="http://schemas.microsoft.com/office/drawing/2014/main" xmlns="" id="{11B8EEF2-1A02-416A-BB08-C16CB1392C09}"/>
+                <a16:creationId xmlns="" xmlns:a16="http://schemas.microsoft.com/office/drawing/2014/main" id="{11B8EEF2-1A02-416A-BB08-C16CB1392C09}"/>
               </a:ext>
             </a:extLst>
           </p:cNvPr>
@@ -7867,7 +7853,7 @@
           <a:blip r:embed="rId2">
             <a:extLst>
               <a:ext uri="{28A0092B-C50C-407E-A947-70E740481C1C}">
-                <a14:useLocalDpi xmlns:a14="http://schemas.microsoft.com/office/drawing/2010/main" xmlns="" val="0"/>
+                <a14:useLocalDpi xmlns="" xmlns:a14="http://schemas.microsoft.com/office/drawing/2010/main" val="0"/>
               </a:ext>
             </a:extLst>
           </a:blip>
@@ -7890,14 +7876,14 @@
           </a:ln>
           <a:extLst>
             <a:ext uri="{909E8E84-426E-40DD-AFC4-6F175D3DCCD1}">
-              <a14:hiddenFill xmlns:a14="http://schemas.microsoft.com/office/drawing/2010/main" xmlns="">
+              <a14:hiddenFill xmlns="" xmlns:a14="http://schemas.microsoft.com/office/drawing/2010/main">
                 <a:solidFill>
                   <a:srgbClr val="FFFFFF"/>
                 </a:solidFill>
               </a14:hiddenFill>
             </a:ext>
             <a:ext uri="{91240B29-F687-4F45-9708-019B960494DF}">
-              <a14:hiddenLine xmlns:a14="http://schemas.microsoft.com/office/drawing/2010/main" xmlns="" w="9525">
+              <a14:hiddenLine xmlns="" xmlns:a14="http://schemas.microsoft.com/office/drawing/2010/main" w="9525">
                 <a:solidFill>
                   <a:srgbClr val="000000"/>
                 </a:solidFill>
@@ -7912,7 +7898,7 @@
     </p:spTree>
     <p:extLst>
       <p:ext uri="{BB962C8B-B14F-4D97-AF65-F5344CB8AC3E}">
-        <p14:creationId xmlns:p14="http://schemas.microsoft.com/office/powerpoint/2010/main" xmlns="" val="2596889583"/>
+        <p14:creationId xmlns="" xmlns:p14="http://schemas.microsoft.com/office/powerpoint/2010/main" val="2596889583"/>
       </p:ext>
     </p:extLst>
   </p:cSld>
@@ -8090,7 +8076,7 @@
           <p:cNvPr id="7" name="Picture 2">
             <a:extLst>
               <a:ext uri="{FF2B5EF4-FFF2-40B4-BE49-F238E27FC236}">
-                <a16:creationId xmlns:a16="http://schemas.microsoft.com/office/drawing/2014/main" xmlns="" id="{BC086D5B-C33B-449D-8FF2-18F29FD72EF9}"/>
+                <a16:creationId xmlns="" xmlns:a16="http://schemas.microsoft.com/office/drawing/2014/main" id="{BC086D5B-C33B-449D-8FF2-18F29FD72EF9}"/>
               </a:ext>
             </a:extLst>
           </p:cNvPr>
@@ -8103,7 +8089,7 @@
           <a:blip r:embed="rId2">
             <a:extLst>
               <a:ext uri="{28A0092B-C50C-407E-A947-70E740481C1C}">
-                <a14:useLocalDpi xmlns:a14="http://schemas.microsoft.com/office/drawing/2010/main" xmlns="" val="0"/>
+                <a14:useLocalDpi xmlns="" xmlns:a14="http://schemas.microsoft.com/office/drawing/2010/main" val="0"/>
               </a:ext>
             </a:extLst>
           </a:blip>
@@ -8126,14 +8112,14 @@
           </a:ln>
           <a:extLst>
             <a:ext uri="{909E8E84-426E-40DD-AFC4-6F175D3DCCD1}">
-              <a14:hiddenFill xmlns:a14="http://schemas.microsoft.com/office/drawing/2010/main" xmlns="">
+              <a14:hiddenFill xmlns="" xmlns:a14="http://schemas.microsoft.com/office/drawing/2010/main">
                 <a:solidFill>
                   <a:srgbClr val="FFFFFF"/>
                 </a:solidFill>
               </a14:hiddenFill>
             </a:ext>
             <a:ext uri="{91240B29-F687-4F45-9708-019B960494DF}">
-              <a14:hiddenLine xmlns:a14="http://schemas.microsoft.com/office/drawing/2010/main" xmlns="" w="9525">
+              <a14:hiddenLine xmlns="" xmlns:a14="http://schemas.microsoft.com/office/drawing/2010/main" w="9525">
                 <a:solidFill>
                   <a:srgbClr val="000000"/>
                 </a:solidFill>
@@ -8148,7 +8134,7 @@
     </p:spTree>
     <p:extLst>
       <p:ext uri="{BB962C8B-B14F-4D97-AF65-F5344CB8AC3E}">
-        <p14:creationId xmlns:p14="http://schemas.microsoft.com/office/powerpoint/2010/main" xmlns="" val="4152613751"/>
+        <p14:creationId xmlns="" xmlns:p14="http://schemas.microsoft.com/office/powerpoint/2010/main" val="4152613751"/>
       </p:ext>
     </p:extLst>
   </p:cSld>
@@ -8494,7 +8480,7 @@
     </p:spTree>
     <p:extLst>
       <p:ext uri="{BB962C8B-B14F-4D97-AF65-F5344CB8AC3E}">
-        <p14:creationId xmlns:p14="http://schemas.microsoft.com/office/powerpoint/2010/main" xmlns="" val="3031950779"/>
+        <p14:creationId xmlns="" xmlns:p14="http://schemas.microsoft.com/office/powerpoint/2010/main" val="3031950779"/>
       </p:ext>
     </p:extLst>
   </p:cSld>
@@ -8955,7 +8941,7 @@
     </p:spTree>
     <p:extLst>
       <p:ext uri="{BB962C8B-B14F-4D97-AF65-F5344CB8AC3E}">
-        <p14:creationId xmlns:p14="http://schemas.microsoft.com/office/powerpoint/2010/main" xmlns="" val="84768129"/>
+        <p14:creationId xmlns="" xmlns:p14="http://schemas.microsoft.com/office/powerpoint/2010/main" val="84768129"/>
       </p:ext>
     </p:extLst>
   </p:cSld>
@@ -9454,7 +9440,7 @@
     </p:spTree>
     <p:extLst>
       <p:ext uri="{BB962C8B-B14F-4D97-AF65-F5344CB8AC3E}">
-        <p14:creationId xmlns:p14="http://schemas.microsoft.com/office/powerpoint/2010/main" xmlns="" val="2928778702"/>
+        <p14:creationId xmlns="" xmlns:p14="http://schemas.microsoft.com/office/powerpoint/2010/main" val="2928778702"/>
       </p:ext>
     </p:extLst>
   </p:cSld>
@@ -9572,7 +9558,7 @@
           <p:cNvPr id="5" name="Content Placeholder 4">
             <a:extLst>
               <a:ext uri="{FF2B5EF4-FFF2-40B4-BE49-F238E27FC236}">
-                <a16:creationId xmlns:a16="http://schemas.microsoft.com/office/drawing/2014/main" xmlns="" id="{FE7034CF-8F1A-4BA2-B084-0A07E37C4259}"/>
+                <a16:creationId xmlns="" xmlns:a16="http://schemas.microsoft.com/office/drawing/2014/main" id="{FE7034CF-8F1A-4BA2-B084-0A07E37C4259}"/>
               </a:ext>
             </a:extLst>
           </p:cNvPr>
@@ -9603,7 +9589,7 @@
           <p:cNvPr id="9" name="Picture 3" descr="C:\WINDOWS\Desktop\Oh_type\savitch_gif\c14_rev\savitch_c14d10.gif">
             <a:extLst>
               <a:ext uri="{FF2B5EF4-FFF2-40B4-BE49-F238E27FC236}">
-                <a16:creationId xmlns:a16="http://schemas.microsoft.com/office/drawing/2014/main" xmlns="" id="{F4E9F7C1-BF1D-4925-AE87-7B3448CDA22A}"/>
+                <a16:creationId xmlns="" xmlns:a16="http://schemas.microsoft.com/office/drawing/2014/main" id="{F4E9F7C1-BF1D-4925-AE87-7B3448CDA22A}"/>
               </a:ext>
             </a:extLst>
           </p:cNvPr>
@@ -9620,7 +9606,7 @@
           <a:blip r:embed="rId3">
             <a:extLst>
               <a:ext uri="{28A0092B-C50C-407E-A947-70E740481C1C}">
-                <a14:useLocalDpi xmlns:a14="http://schemas.microsoft.com/office/drawing/2010/main" xmlns="" val="0"/>
+                <a14:useLocalDpi xmlns="" xmlns:a14="http://schemas.microsoft.com/office/drawing/2010/main" val="0"/>
               </a:ext>
             </a:extLst>
           </a:blip>
@@ -9643,14 +9629,14 @@
           </a:ln>
           <a:extLst>
             <a:ext uri="{909E8E84-426E-40DD-AFC4-6F175D3DCCD1}">
-              <a14:hiddenFill xmlns:a14="http://schemas.microsoft.com/office/drawing/2010/main" xmlns="">
+              <a14:hiddenFill xmlns="" xmlns:a14="http://schemas.microsoft.com/office/drawing/2010/main">
                 <a:solidFill>
                   <a:srgbClr val="FFFFFF"/>
                 </a:solidFill>
               </a14:hiddenFill>
             </a:ext>
             <a:ext uri="{91240B29-F687-4F45-9708-019B960494DF}">
-              <a14:hiddenLine xmlns:a14="http://schemas.microsoft.com/office/drawing/2010/main" xmlns="" w="9525">
+              <a14:hiddenLine xmlns="" xmlns:a14="http://schemas.microsoft.com/office/drawing/2010/main" w="9525">
                 <a:solidFill>
                   <a:srgbClr val="000000"/>
                 </a:solidFill>
@@ -9665,7 +9651,7 @@
     </p:spTree>
     <p:extLst>
       <p:ext uri="{BB962C8B-B14F-4D97-AF65-F5344CB8AC3E}">
-        <p14:creationId xmlns:p14="http://schemas.microsoft.com/office/powerpoint/2010/main" xmlns="" val="3260431809"/>
+        <p14:creationId xmlns="" xmlns:p14="http://schemas.microsoft.com/office/powerpoint/2010/main" val="3260431809"/>
       </p:ext>
     </p:extLst>
   </p:cSld>
@@ -9783,7 +9769,7 @@
           <p:cNvPr id="5" name="Content Placeholder 4">
             <a:extLst>
               <a:ext uri="{FF2B5EF4-FFF2-40B4-BE49-F238E27FC236}">
-                <a16:creationId xmlns:a16="http://schemas.microsoft.com/office/drawing/2014/main" xmlns="" id="{FE7034CF-8F1A-4BA2-B084-0A07E37C4259}"/>
+                <a16:creationId xmlns="" xmlns:a16="http://schemas.microsoft.com/office/drawing/2014/main" id="{FE7034CF-8F1A-4BA2-B084-0A07E37C4259}"/>
               </a:ext>
             </a:extLst>
           </p:cNvPr>
@@ -9830,7 +9816,7 @@
     </p:spTree>
     <p:extLst>
       <p:ext uri="{BB962C8B-B14F-4D97-AF65-F5344CB8AC3E}">
-        <p14:creationId xmlns:p14="http://schemas.microsoft.com/office/powerpoint/2010/main" xmlns="" val="3211316485"/>
+        <p14:creationId xmlns="" xmlns:p14="http://schemas.microsoft.com/office/powerpoint/2010/main" val="3211316485"/>
       </p:ext>
     </p:extLst>
   </p:cSld>
@@ -10034,7 +10020,7 @@
     </p:spTree>
     <p:extLst>
       <p:ext uri="{BB962C8B-B14F-4D97-AF65-F5344CB8AC3E}">
-        <p14:creationId xmlns:p14="http://schemas.microsoft.com/office/powerpoint/2010/main" xmlns="" val="839201425"/>
+        <p14:creationId xmlns="" xmlns:p14="http://schemas.microsoft.com/office/powerpoint/2010/main" val="839201425"/>
       </p:ext>
     </p:extLst>
   </p:cSld>
@@ -10145,7 +10131,7 @@
           <p:cNvPr id="5" name="Content Placeholder 4">
             <a:extLst>
               <a:ext uri="{FF2B5EF4-FFF2-40B4-BE49-F238E27FC236}">
-                <a16:creationId xmlns:a16="http://schemas.microsoft.com/office/drawing/2014/main" xmlns="" id="{FE7034CF-8F1A-4BA2-B084-0A07E37C4259}"/>
+                <a16:creationId xmlns="" xmlns:a16="http://schemas.microsoft.com/office/drawing/2014/main" id="{FE7034CF-8F1A-4BA2-B084-0A07E37C4259}"/>
               </a:ext>
             </a:extLst>
           </p:cNvPr>
@@ -10419,7 +10405,7 @@
     </p:spTree>
     <p:extLst>
       <p:ext uri="{BB962C8B-B14F-4D97-AF65-F5344CB8AC3E}">
-        <p14:creationId xmlns:p14="http://schemas.microsoft.com/office/powerpoint/2010/main" xmlns="" val="3532897711"/>
+        <p14:creationId xmlns="" xmlns:p14="http://schemas.microsoft.com/office/powerpoint/2010/main" val="3532897711"/>
       </p:ext>
     </p:extLst>
   </p:cSld>
@@ -10537,7 +10523,7 @@
           <p:cNvPr id="5" name="Content Placeholder 4">
             <a:extLst>
               <a:ext uri="{FF2B5EF4-FFF2-40B4-BE49-F238E27FC236}">
-                <a16:creationId xmlns:a16="http://schemas.microsoft.com/office/drawing/2014/main" xmlns="" id="{FE7034CF-8F1A-4BA2-B084-0A07E37C4259}"/>
+                <a16:creationId xmlns="" xmlns:a16="http://schemas.microsoft.com/office/drawing/2014/main" id="{FE7034CF-8F1A-4BA2-B084-0A07E37C4259}"/>
               </a:ext>
             </a:extLst>
           </p:cNvPr>
@@ -10801,7 +10787,7 @@
     </p:spTree>
     <p:extLst>
       <p:ext uri="{BB962C8B-B14F-4D97-AF65-F5344CB8AC3E}">
-        <p14:creationId xmlns:p14="http://schemas.microsoft.com/office/powerpoint/2010/main" xmlns="" val="3916912235"/>
+        <p14:creationId xmlns="" xmlns:p14="http://schemas.microsoft.com/office/powerpoint/2010/main" val="3916912235"/>
       </p:ext>
     </p:extLst>
   </p:cSld>
@@ -10919,7 +10905,7 @@
           <p:cNvPr id="5" name="Content Placeholder 4">
             <a:extLst>
               <a:ext uri="{FF2B5EF4-FFF2-40B4-BE49-F238E27FC236}">
-                <a16:creationId xmlns:a16="http://schemas.microsoft.com/office/drawing/2014/main" xmlns="" id="{FE7034CF-8F1A-4BA2-B084-0A07E37C4259}"/>
+                <a16:creationId xmlns="" xmlns:a16="http://schemas.microsoft.com/office/drawing/2014/main" id="{FE7034CF-8F1A-4BA2-B084-0A07E37C4259}"/>
               </a:ext>
             </a:extLst>
           </p:cNvPr>
@@ -11389,7 +11375,7 @@
     </p:spTree>
     <p:extLst>
       <p:ext uri="{BB962C8B-B14F-4D97-AF65-F5344CB8AC3E}">
-        <p14:creationId xmlns:p14="http://schemas.microsoft.com/office/powerpoint/2010/main" xmlns="" val="4232667521"/>
+        <p14:creationId xmlns="" xmlns:p14="http://schemas.microsoft.com/office/powerpoint/2010/main" val="4232667521"/>
       </p:ext>
     </p:extLst>
   </p:cSld>
@@ -11507,7 +11493,7 @@
           <p:cNvPr id="5" name="Content Placeholder 4">
             <a:extLst>
               <a:ext uri="{FF2B5EF4-FFF2-40B4-BE49-F238E27FC236}">
-                <a16:creationId xmlns:a16="http://schemas.microsoft.com/office/drawing/2014/main" xmlns="" id="{FE7034CF-8F1A-4BA2-B084-0A07E37C4259}"/>
+                <a16:creationId xmlns="" xmlns:a16="http://schemas.microsoft.com/office/drawing/2014/main" id="{FE7034CF-8F1A-4BA2-B084-0A07E37C4259}"/>
               </a:ext>
             </a:extLst>
           </p:cNvPr>
@@ -11565,7 +11551,7 @@
           <p:cNvPr id="7" name="Picture 6">
             <a:extLst>
               <a:ext uri="{FF2B5EF4-FFF2-40B4-BE49-F238E27FC236}">
-                <a16:creationId xmlns:a16="http://schemas.microsoft.com/office/drawing/2014/main" xmlns="" id="{FBC3D47F-E1C5-4FF8-A531-1AD0E5B9A04C}"/>
+                <a16:creationId xmlns="" xmlns:a16="http://schemas.microsoft.com/office/drawing/2014/main" id="{FBC3D47F-E1C5-4FF8-A531-1AD0E5B9A04C}"/>
               </a:ext>
             </a:extLst>
           </p:cNvPr>
@@ -11578,7 +11564,7 @@
           <a:blip r:embed="rId2">
             <a:extLst>
               <a:ext uri="{28A0092B-C50C-407E-A947-70E740481C1C}">
-                <a14:useLocalDpi xmlns:a14="http://schemas.microsoft.com/office/drawing/2010/main" xmlns="" val="0"/>
+                <a14:useLocalDpi xmlns="" xmlns:a14="http://schemas.microsoft.com/office/drawing/2010/main" val="0"/>
               </a:ext>
             </a:extLst>
           </a:blip>
@@ -11601,14 +11587,14 @@
           </a:ln>
           <a:extLst>
             <a:ext uri="{909E8E84-426E-40DD-AFC4-6F175D3DCCD1}">
-              <a14:hiddenFill xmlns:a14="http://schemas.microsoft.com/office/drawing/2010/main" xmlns="">
+              <a14:hiddenFill xmlns="" xmlns:a14="http://schemas.microsoft.com/office/drawing/2010/main">
                 <a:solidFill>
                   <a:srgbClr val="FFFFFF"/>
                 </a:solidFill>
               </a14:hiddenFill>
             </a:ext>
             <a:ext uri="{91240B29-F687-4F45-9708-019B960494DF}">
-              <a14:hiddenLine xmlns:a14="http://schemas.microsoft.com/office/drawing/2010/main" xmlns="" w="9525">
+              <a14:hiddenLine xmlns="" xmlns:a14="http://schemas.microsoft.com/office/drawing/2010/main" w="9525">
                 <a:solidFill>
                   <a:srgbClr val="000000"/>
                 </a:solidFill>
@@ -11623,7 +11609,7 @@
     </p:spTree>
     <p:extLst>
       <p:ext uri="{BB962C8B-B14F-4D97-AF65-F5344CB8AC3E}">
-        <p14:creationId xmlns:p14="http://schemas.microsoft.com/office/powerpoint/2010/main" xmlns="" val="1312438853"/>
+        <p14:creationId xmlns="" xmlns:p14="http://schemas.microsoft.com/office/powerpoint/2010/main" val="1312438853"/>
       </p:ext>
     </p:extLst>
   </p:cSld>
@@ -11741,7 +11727,7 @@
           <p:cNvPr id="5" name="Content Placeholder 4">
             <a:extLst>
               <a:ext uri="{FF2B5EF4-FFF2-40B4-BE49-F238E27FC236}">
-                <a16:creationId xmlns:a16="http://schemas.microsoft.com/office/drawing/2014/main" xmlns="" id="{FE7034CF-8F1A-4BA2-B084-0A07E37C4259}"/>
+                <a16:creationId xmlns="" xmlns:a16="http://schemas.microsoft.com/office/drawing/2014/main" id="{FE7034CF-8F1A-4BA2-B084-0A07E37C4259}"/>
               </a:ext>
             </a:extLst>
           </p:cNvPr>
@@ -11806,7 +11792,7 @@
           <p:cNvPr id="9" name="Picture 6">
             <a:extLst>
               <a:ext uri="{FF2B5EF4-FFF2-40B4-BE49-F238E27FC236}">
-                <a16:creationId xmlns:a16="http://schemas.microsoft.com/office/drawing/2014/main" xmlns="" id="{D9E5E789-B318-493D-ACFE-E889B720E291}"/>
+                <a16:creationId xmlns="" xmlns:a16="http://schemas.microsoft.com/office/drawing/2014/main" id="{D9E5E789-B318-493D-ACFE-E889B720E291}"/>
               </a:ext>
             </a:extLst>
           </p:cNvPr>
@@ -11819,7 +11805,7 @@
           <a:blip r:embed="rId2">
             <a:extLst>
               <a:ext uri="{28A0092B-C50C-407E-A947-70E740481C1C}">
-                <a14:useLocalDpi xmlns:a14="http://schemas.microsoft.com/office/drawing/2010/main" xmlns="" val="0"/>
+                <a14:useLocalDpi xmlns="" xmlns:a14="http://schemas.microsoft.com/office/drawing/2010/main" val="0"/>
               </a:ext>
             </a:extLst>
           </a:blip>
@@ -11842,14 +11828,14 @@
           </a:ln>
           <a:extLst>
             <a:ext uri="{909E8E84-426E-40DD-AFC4-6F175D3DCCD1}">
-              <a14:hiddenFill xmlns:a14="http://schemas.microsoft.com/office/drawing/2010/main" xmlns="">
+              <a14:hiddenFill xmlns="" xmlns:a14="http://schemas.microsoft.com/office/drawing/2010/main">
                 <a:solidFill>
                   <a:srgbClr val="FFFFFF"/>
                 </a:solidFill>
               </a14:hiddenFill>
             </a:ext>
             <a:ext uri="{91240B29-F687-4F45-9708-019B960494DF}">
-              <a14:hiddenLine xmlns:a14="http://schemas.microsoft.com/office/drawing/2010/main" xmlns="" w="9525">
+              <a14:hiddenLine xmlns="" xmlns:a14="http://schemas.microsoft.com/office/drawing/2010/main" w="9525">
                 <a:solidFill>
                   <a:srgbClr val="000000"/>
                 </a:solidFill>
@@ -11866,7 +11852,7 @@
           <p:cNvPr id="11" name="Picture 7">
             <a:extLst>
               <a:ext uri="{FF2B5EF4-FFF2-40B4-BE49-F238E27FC236}">
-                <a16:creationId xmlns:a16="http://schemas.microsoft.com/office/drawing/2014/main" xmlns="" id="{930405EE-9EE6-417B-8D22-F3974781B8DA}"/>
+                <a16:creationId xmlns="" xmlns:a16="http://schemas.microsoft.com/office/drawing/2014/main" id="{930405EE-9EE6-417B-8D22-F3974781B8DA}"/>
               </a:ext>
             </a:extLst>
           </p:cNvPr>
@@ -11879,7 +11865,7 @@
           <a:blip r:embed="rId3">
             <a:extLst>
               <a:ext uri="{28A0092B-C50C-407E-A947-70E740481C1C}">
-                <a14:useLocalDpi xmlns:a14="http://schemas.microsoft.com/office/drawing/2010/main" xmlns="" val="0"/>
+                <a14:useLocalDpi xmlns="" xmlns:a14="http://schemas.microsoft.com/office/drawing/2010/main" val="0"/>
               </a:ext>
             </a:extLst>
           </a:blip>
@@ -11902,14 +11888,14 @@
           </a:ln>
           <a:extLst>
             <a:ext uri="{909E8E84-426E-40DD-AFC4-6F175D3DCCD1}">
-              <a14:hiddenFill xmlns:a14="http://schemas.microsoft.com/office/drawing/2010/main" xmlns="">
+              <a14:hiddenFill xmlns="" xmlns:a14="http://schemas.microsoft.com/office/drawing/2010/main">
                 <a:solidFill>
                   <a:srgbClr val="FFFFFF"/>
                 </a:solidFill>
               </a14:hiddenFill>
             </a:ext>
             <a:ext uri="{91240B29-F687-4F45-9708-019B960494DF}">
-              <a14:hiddenLine xmlns:a14="http://schemas.microsoft.com/office/drawing/2010/main" xmlns="" w="9525">
+              <a14:hiddenLine xmlns="" xmlns:a14="http://schemas.microsoft.com/office/drawing/2010/main" w="9525">
                 <a:solidFill>
                   <a:srgbClr val="000000"/>
                 </a:solidFill>
@@ -11924,7 +11910,7 @@
     </p:spTree>
     <p:extLst>
       <p:ext uri="{BB962C8B-B14F-4D97-AF65-F5344CB8AC3E}">
-        <p14:creationId xmlns:p14="http://schemas.microsoft.com/office/powerpoint/2010/main" xmlns="" val="3991828019"/>
+        <p14:creationId xmlns="" xmlns:p14="http://schemas.microsoft.com/office/powerpoint/2010/main" val="3991828019"/>
       </p:ext>
     </p:extLst>
   </p:cSld>
@@ -12042,7 +12028,7 @@
           <p:cNvPr id="5" name="Content Placeholder 4">
             <a:extLst>
               <a:ext uri="{FF2B5EF4-FFF2-40B4-BE49-F238E27FC236}">
-                <a16:creationId xmlns:a16="http://schemas.microsoft.com/office/drawing/2014/main" xmlns="" id="{FE7034CF-8F1A-4BA2-B084-0A07E37C4259}"/>
+                <a16:creationId xmlns="" xmlns:a16="http://schemas.microsoft.com/office/drawing/2014/main" id="{FE7034CF-8F1A-4BA2-B084-0A07E37C4259}"/>
               </a:ext>
             </a:extLst>
           </p:cNvPr>
@@ -12319,7 +12305,7 @@
           <p:cNvPr id="7" name="Rectangle 4">
             <a:extLst>
               <a:ext uri="{FF2B5EF4-FFF2-40B4-BE49-F238E27FC236}">
-                <a16:creationId xmlns:a16="http://schemas.microsoft.com/office/drawing/2014/main" xmlns="" id="{E515DCDF-CE39-48B8-9EE5-DED9368A1F14}"/>
+                <a16:creationId xmlns="" xmlns:a16="http://schemas.microsoft.com/office/drawing/2014/main" id="{E515DCDF-CE39-48B8-9EE5-DED9368A1F14}"/>
               </a:ext>
             </a:extLst>
           </p:cNvPr>
@@ -12347,7 +12333,7 @@
           </a:ln>
           <a:extLst>
             <a:ext uri="{909E8E84-426E-40DD-AFC4-6F175D3DCCD1}">
-              <a14:hiddenFill xmlns:a14="http://schemas.microsoft.com/office/drawing/2010/main" xmlns="">
+              <a14:hiddenFill xmlns="" xmlns:a14="http://schemas.microsoft.com/office/drawing/2010/main">
                 <a:solidFill>
                   <a:srgbClr val="FFFFFF"/>
                 </a:solidFill>
@@ -12552,7 +12538,7 @@
     </p:spTree>
     <p:extLst>
       <p:ext uri="{BB962C8B-B14F-4D97-AF65-F5344CB8AC3E}">
-        <p14:creationId xmlns:p14="http://schemas.microsoft.com/office/powerpoint/2010/main" xmlns="" val="732759570"/>
+        <p14:creationId xmlns="" xmlns:p14="http://schemas.microsoft.com/office/powerpoint/2010/main" val="732759570"/>
       </p:ext>
     </p:extLst>
   </p:cSld>
@@ -12666,7 +12652,7 @@
           <p:cNvPr id="5" name="Content Placeholder 4">
             <a:extLst>
               <a:ext uri="{FF2B5EF4-FFF2-40B4-BE49-F238E27FC236}">
-                <a16:creationId xmlns:a16="http://schemas.microsoft.com/office/drawing/2014/main" xmlns="" id="{FE7034CF-8F1A-4BA2-B084-0A07E37C4259}"/>
+                <a16:creationId xmlns="" xmlns:a16="http://schemas.microsoft.com/office/drawing/2014/main" id="{FE7034CF-8F1A-4BA2-B084-0A07E37C4259}"/>
               </a:ext>
             </a:extLst>
           </p:cNvPr>
@@ -12724,7 +12710,7 @@
           <p:cNvPr id="7" name="Rectangle 3">
             <a:extLst>
               <a:ext uri="{FF2B5EF4-FFF2-40B4-BE49-F238E27FC236}">
-                <a16:creationId xmlns:a16="http://schemas.microsoft.com/office/drawing/2014/main" xmlns="" id="{B56FA984-C80A-4EE3-9759-4E74F50FB8DD}"/>
+                <a16:creationId xmlns="" xmlns:a16="http://schemas.microsoft.com/office/drawing/2014/main" id="{B56FA984-C80A-4EE3-9759-4E74F50FB8DD}"/>
               </a:ext>
             </a:extLst>
           </p:cNvPr>
@@ -12747,14 +12733,14 @@
           </a:ln>
           <a:extLst>
             <a:ext uri="{909E8E84-426E-40DD-AFC4-6F175D3DCCD1}">
-              <a14:hiddenFill xmlns:a14="http://schemas.microsoft.com/office/drawing/2010/main" xmlns="">
+              <a14:hiddenFill xmlns="" xmlns:a14="http://schemas.microsoft.com/office/drawing/2010/main">
                 <a:solidFill>
                   <a:srgbClr val="FFFFFF"/>
                 </a:solidFill>
               </a14:hiddenFill>
             </a:ext>
             <a:ext uri="{91240B29-F687-4F45-9708-019B960494DF}">
-              <a14:hiddenLine xmlns:a14="http://schemas.microsoft.com/office/drawing/2010/main" xmlns="" w="9525">
+              <a14:hiddenLine xmlns="" xmlns:a14="http://schemas.microsoft.com/office/drawing/2010/main" w="9525">
                 <a:solidFill>
                   <a:srgbClr val="000000"/>
                 </a:solidFill>
@@ -13346,7 +13332,7 @@
           <p:cNvPr id="8" name="Rectangle 4">
             <a:extLst>
               <a:ext uri="{FF2B5EF4-FFF2-40B4-BE49-F238E27FC236}">
-                <a16:creationId xmlns:a16="http://schemas.microsoft.com/office/drawing/2014/main" xmlns="" id="{6E12A618-6361-4E13-BBEE-99E48DF9720D}"/>
+                <a16:creationId xmlns="" xmlns:a16="http://schemas.microsoft.com/office/drawing/2014/main" id="{6E12A618-6361-4E13-BBEE-99E48DF9720D}"/>
               </a:ext>
             </a:extLst>
           </p:cNvPr>
@@ -13374,7 +13360,7 @@
           </a:ln>
           <a:extLst>
             <a:ext uri="{909E8E84-426E-40DD-AFC4-6F175D3DCCD1}">
-              <a14:hiddenFill xmlns:a14="http://schemas.microsoft.com/office/drawing/2010/main" xmlns="">
+              <a14:hiddenFill xmlns="" xmlns:a14="http://schemas.microsoft.com/office/drawing/2010/main">
                 <a:solidFill>
                   <a:srgbClr val="FFFFFF"/>
                 </a:solidFill>
@@ -13581,7 +13567,7 @@
           <p:cNvPr id="9" name="Rectangle 5">
             <a:extLst>
               <a:ext uri="{FF2B5EF4-FFF2-40B4-BE49-F238E27FC236}">
-                <a16:creationId xmlns:a16="http://schemas.microsoft.com/office/drawing/2014/main" xmlns="" id="{109EDB9A-D288-4E8D-B53E-764561A67AC8}"/>
+                <a16:creationId xmlns="" xmlns:a16="http://schemas.microsoft.com/office/drawing/2014/main" id="{109EDB9A-D288-4E8D-B53E-764561A67AC8}"/>
               </a:ext>
             </a:extLst>
           </p:cNvPr>
@@ -13609,7 +13595,7 @@
           </a:ln>
           <a:extLst>
             <a:ext uri="{909E8E84-426E-40DD-AFC4-6F175D3DCCD1}">
-              <a14:hiddenFill xmlns:a14="http://schemas.microsoft.com/office/drawing/2010/main" xmlns="">
+              <a14:hiddenFill xmlns="" xmlns:a14="http://schemas.microsoft.com/office/drawing/2010/main">
                 <a:solidFill>
                   <a:srgbClr val="FFFFFF"/>
                 </a:solidFill>
@@ -13858,7 +13844,7 @@
           <p:cNvPr id="11" name="Rectangle 6">
             <a:extLst>
               <a:ext uri="{FF2B5EF4-FFF2-40B4-BE49-F238E27FC236}">
-                <a16:creationId xmlns:a16="http://schemas.microsoft.com/office/drawing/2014/main" xmlns="" id="{9E7884C3-A5E6-4B25-9490-0A9D5DE6F8BC}"/>
+                <a16:creationId xmlns="" xmlns:a16="http://schemas.microsoft.com/office/drawing/2014/main" id="{9E7884C3-A5E6-4B25-9490-0A9D5DE6F8BC}"/>
               </a:ext>
             </a:extLst>
           </p:cNvPr>
@@ -13881,14 +13867,14 @@
           </a:ln>
           <a:extLst>
             <a:ext uri="{909E8E84-426E-40DD-AFC4-6F175D3DCCD1}">
-              <a14:hiddenFill xmlns:a14="http://schemas.microsoft.com/office/drawing/2010/main" xmlns="">
+              <a14:hiddenFill xmlns="" xmlns:a14="http://schemas.microsoft.com/office/drawing/2010/main">
                 <a:solidFill>
                   <a:srgbClr val="FFFFFF"/>
                 </a:solidFill>
               </a14:hiddenFill>
             </a:ext>
             <a:ext uri="{91240B29-F687-4F45-9708-019B960494DF}">
-              <a14:hiddenLine xmlns:a14="http://schemas.microsoft.com/office/drawing/2010/main" xmlns="" w="9525">
+              <a14:hiddenLine xmlns="" xmlns:a14="http://schemas.microsoft.com/office/drawing/2010/main" w="9525">
                 <a:solidFill>
                   <a:srgbClr val="000000"/>
                 </a:solidFill>
@@ -14210,7 +14196,7 @@
     </p:spTree>
     <p:extLst>
       <p:ext uri="{BB962C8B-B14F-4D97-AF65-F5344CB8AC3E}">
-        <p14:creationId xmlns:p14="http://schemas.microsoft.com/office/powerpoint/2010/main" xmlns="" val="487337035"/>
+        <p14:creationId xmlns="" xmlns:p14="http://schemas.microsoft.com/office/powerpoint/2010/main" val="487337035"/>
       </p:ext>
     </p:extLst>
   </p:cSld>
@@ -14324,7 +14310,7 @@
           <p:cNvPr id="3" name="Content Placeholder 2">
             <a:extLst>
               <a:ext uri="{FF2B5EF4-FFF2-40B4-BE49-F238E27FC236}">
-                <a16:creationId xmlns:a16="http://schemas.microsoft.com/office/drawing/2014/main" xmlns="" id="{5FC13A4C-B4DF-404A-9E75-24F1F98FA229}"/>
+                <a16:creationId xmlns="" xmlns:a16="http://schemas.microsoft.com/office/drawing/2014/main" id="{5FC13A4C-B4DF-404A-9E75-24F1F98FA229}"/>
               </a:ext>
             </a:extLst>
           </p:cNvPr>
@@ -14355,7 +14341,7 @@
           <p:cNvPr id="13" name="Rectangle 3">
             <a:extLst>
               <a:ext uri="{FF2B5EF4-FFF2-40B4-BE49-F238E27FC236}">
-                <a16:creationId xmlns:a16="http://schemas.microsoft.com/office/drawing/2014/main" xmlns="" id="{52634FD4-F0F4-4537-BC56-70AC037D368F}"/>
+                <a16:creationId xmlns="" xmlns:a16="http://schemas.microsoft.com/office/drawing/2014/main" id="{52634FD4-F0F4-4537-BC56-70AC037D368F}"/>
               </a:ext>
             </a:extLst>
           </p:cNvPr>
@@ -14378,14 +14364,14 @@
           </a:ln>
           <a:extLst>
             <a:ext uri="{909E8E84-426E-40DD-AFC4-6F175D3DCCD1}">
-              <a14:hiddenFill xmlns:a14="http://schemas.microsoft.com/office/drawing/2010/main" xmlns="">
+              <a14:hiddenFill xmlns="" xmlns:a14="http://schemas.microsoft.com/office/drawing/2010/main">
                 <a:solidFill>
                   <a:srgbClr val="FFFFFF"/>
                 </a:solidFill>
               </a14:hiddenFill>
             </a:ext>
             <a:ext uri="{91240B29-F687-4F45-9708-019B960494DF}">
-              <a14:hiddenLine xmlns:a14="http://schemas.microsoft.com/office/drawing/2010/main" xmlns="" w="9525">
+              <a14:hiddenLine xmlns="" xmlns:a14="http://schemas.microsoft.com/office/drawing/2010/main" w="9525">
                 <a:solidFill>
                   <a:srgbClr val="000000"/>
                 </a:solidFill>
@@ -14826,7 +14812,7 @@
           <p:cNvPr id="14" name="Rectangle 4">
             <a:extLst>
               <a:ext uri="{FF2B5EF4-FFF2-40B4-BE49-F238E27FC236}">
-                <a16:creationId xmlns:a16="http://schemas.microsoft.com/office/drawing/2014/main" xmlns="" id="{40079641-A190-4752-B39D-75412D04E264}"/>
+                <a16:creationId xmlns="" xmlns:a16="http://schemas.microsoft.com/office/drawing/2014/main" id="{40079641-A190-4752-B39D-75412D04E264}"/>
               </a:ext>
             </a:extLst>
           </p:cNvPr>
@@ -14854,7 +14840,7 @@
           </a:ln>
           <a:extLst>
             <a:ext uri="{909E8E84-426E-40DD-AFC4-6F175D3DCCD1}">
-              <a14:hiddenFill xmlns:a14="http://schemas.microsoft.com/office/drawing/2010/main" xmlns="">
+              <a14:hiddenFill xmlns="" xmlns:a14="http://schemas.microsoft.com/office/drawing/2010/main">
                 <a:solidFill>
                   <a:srgbClr val="FFFFFF"/>
                 </a:solidFill>
@@ -15061,7 +15047,7 @@
           <p:cNvPr id="15" name="Rectangle 5">
             <a:extLst>
               <a:ext uri="{FF2B5EF4-FFF2-40B4-BE49-F238E27FC236}">
-                <a16:creationId xmlns:a16="http://schemas.microsoft.com/office/drawing/2014/main" xmlns="" id="{EA39EDF5-4CF4-4601-92C3-16B1537143E7}"/>
+                <a16:creationId xmlns="" xmlns:a16="http://schemas.microsoft.com/office/drawing/2014/main" id="{EA39EDF5-4CF4-4601-92C3-16B1537143E7}"/>
               </a:ext>
             </a:extLst>
           </p:cNvPr>
@@ -15089,7 +15075,7 @@
           </a:ln>
           <a:extLst>
             <a:ext uri="{909E8E84-426E-40DD-AFC4-6F175D3DCCD1}">
-              <a14:hiddenFill xmlns:a14="http://schemas.microsoft.com/office/drawing/2010/main" xmlns="">
+              <a14:hiddenFill xmlns="" xmlns:a14="http://schemas.microsoft.com/office/drawing/2010/main">
                 <a:solidFill>
                   <a:srgbClr val="FFFFFF"/>
                 </a:solidFill>
@@ -15349,7 +15335,7 @@
           <p:cNvPr id="16" name="Rectangle 6">
             <a:extLst>
               <a:ext uri="{FF2B5EF4-FFF2-40B4-BE49-F238E27FC236}">
-                <a16:creationId xmlns:a16="http://schemas.microsoft.com/office/drawing/2014/main" xmlns="" id="{62A57DD1-286D-43E0-AB06-876DBA3BDD05}"/>
+                <a16:creationId xmlns="" xmlns:a16="http://schemas.microsoft.com/office/drawing/2014/main" id="{62A57DD1-286D-43E0-AB06-876DBA3BDD05}"/>
               </a:ext>
             </a:extLst>
           </p:cNvPr>
@@ -15372,14 +15358,14 @@
           </a:ln>
           <a:extLst>
             <a:ext uri="{909E8E84-426E-40DD-AFC4-6F175D3DCCD1}">
-              <a14:hiddenFill xmlns:a14="http://schemas.microsoft.com/office/drawing/2010/main" xmlns="">
+              <a14:hiddenFill xmlns="" xmlns:a14="http://schemas.microsoft.com/office/drawing/2010/main">
                 <a:solidFill>
                   <a:srgbClr val="FFFFFF"/>
                 </a:solidFill>
               </a14:hiddenFill>
             </a:ext>
             <a:ext uri="{91240B29-F687-4F45-9708-019B960494DF}">
-              <a14:hiddenLine xmlns:a14="http://schemas.microsoft.com/office/drawing/2010/main" xmlns="" w="9525">
+              <a14:hiddenLine xmlns="" xmlns:a14="http://schemas.microsoft.com/office/drawing/2010/main" w="9525">
                 <a:solidFill>
                   <a:srgbClr val="000000"/>
                 </a:solidFill>
@@ -15707,7 +15693,7 @@
           <p:cNvPr id="17" name="Rectangle 7">
             <a:extLst>
               <a:ext uri="{FF2B5EF4-FFF2-40B4-BE49-F238E27FC236}">
-                <a16:creationId xmlns:a16="http://schemas.microsoft.com/office/drawing/2014/main" xmlns="" id="{70383741-C167-418E-8622-E95EA4D0AB28}"/>
+                <a16:creationId xmlns="" xmlns:a16="http://schemas.microsoft.com/office/drawing/2014/main" id="{70383741-C167-418E-8622-E95EA4D0AB28}"/>
               </a:ext>
             </a:extLst>
           </p:cNvPr>
@@ -15934,7 +15920,7 @@
     </p:spTree>
     <p:extLst>
       <p:ext uri="{BB962C8B-B14F-4D97-AF65-F5344CB8AC3E}">
-        <p14:creationId xmlns:p14="http://schemas.microsoft.com/office/powerpoint/2010/main" xmlns="" val="453335616"/>
+        <p14:creationId xmlns="" xmlns:p14="http://schemas.microsoft.com/office/powerpoint/2010/main" val="453335616"/>
       </p:ext>
     </p:extLst>
   </p:cSld>
@@ -16048,7 +16034,7 @@
           <p:cNvPr id="3" name="Content Placeholder 2">
             <a:extLst>
               <a:ext uri="{FF2B5EF4-FFF2-40B4-BE49-F238E27FC236}">
-                <a16:creationId xmlns:a16="http://schemas.microsoft.com/office/drawing/2014/main" xmlns="" id="{5FC13A4C-B4DF-404A-9E75-24F1F98FA229}"/>
+                <a16:creationId xmlns="" xmlns:a16="http://schemas.microsoft.com/office/drawing/2014/main" id="{5FC13A4C-B4DF-404A-9E75-24F1F98FA229}"/>
               </a:ext>
             </a:extLst>
           </p:cNvPr>
@@ -16079,7 +16065,7 @@
           <p:cNvPr id="18" name="Rectangle 3">
             <a:extLst>
               <a:ext uri="{FF2B5EF4-FFF2-40B4-BE49-F238E27FC236}">
-                <a16:creationId xmlns:a16="http://schemas.microsoft.com/office/drawing/2014/main" xmlns="" id="{DC2B7F7B-2B0E-4A16-A41A-965742A6B304}"/>
+                <a16:creationId xmlns="" xmlns:a16="http://schemas.microsoft.com/office/drawing/2014/main" id="{DC2B7F7B-2B0E-4A16-A41A-965742A6B304}"/>
               </a:ext>
             </a:extLst>
           </p:cNvPr>
@@ -16102,14 +16088,14 @@
           </a:ln>
           <a:extLst>
             <a:ext uri="{909E8E84-426E-40DD-AFC4-6F175D3DCCD1}">
-              <a14:hiddenFill xmlns:a14="http://schemas.microsoft.com/office/drawing/2010/main" xmlns="">
+              <a14:hiddenFill xmlns="" xmlns:a14="http://schemas.microsoft.com/office/drawing/2010/main">
                 <a:solidFill>
                   <a:srgbClr val="FFFFFF"/>
                 </a:solidFill>
               </a14:hiddenFill>
             </a:ext>
             <a:ext uri="{91240B29-F687-4F45-9708-019B960494DF}">
-              <a14:hiddenLine xmlns:a14="http://schemas.microsoft.com/office/drawing/2010/main" xmlns="" w="9525">
+              <a14:hiddenLine xmlns="" xmlns:a14="http://schemas.microsoft.com/office/drawing/2010/main" w="9525">
                 <a:solidFill>
                   <a:srgbClr val="000000"/>
                 </a:solidFill>
@@ -16559,7 +16545,7 @@
           <p:cNvPr id="19" name="Rectangle 4">
             <a:extLst>
               <a:ext uri="{FF2B5EF4-FFF2-40B4-BE49-F238E27FC236}">
-                <a16:creationId xmlns:a16="http://schemas.microsoft.com/office/drawing/2014/main" xmlns="" id="{1A43083F-DDB4-4056-AE20-16022D468850}"/>
+                <a16:creationId xmlns="" xmlns:a16="http://schemas.microsoft.com/office/drawing/2014/main" id="{1A43083F-DDB4-4056-AE20-16022D468850}"/>
               </a:ext>
             </a:extLst>
           </p:cNvPr>
@@ -16587,7 +16573,7 @@
           </a:ln>
           <a:extLst>
             <a:ext uri="{909E8E84-426E-40DD-AFC4-6F175D3DCCD1}">
-              <a14:hiddenFill xmlns:a14="http://schemas.microsoft.com/office/drawing/2010/main" xmlns="">
+              <a14:hiddenFill xmlns="" xmlns:a14="http://schemas.microsoft.com/office/drawing/2010/main">
                 <a:solidFill>
                   <a:srgbClr val="FFFFFF"/>
                 </a:solidFill>
@@ -16794,7 +16780,7 @@
           <p:cNvPr id="20" name="Rectangle 5">
             <a:extLst>
               <a:ext uri="{FF2B5EF4-FFF2-40B4-BE49-F238E27FC236}">
-                <a16:creationId xmlns:a16="http://schemas.microsoft.com/office/drawing/2014/main" xmlns="" id="{E2935592-3ABE-46EA-A3D3-DB871AE27614}"/>
+                <a16:creationId xmlns="" xmlns:a16="http://schemas.microsoft.com/office/drawing/2014/main" id="{E2935592-3ABE-46EA-A3D3-DB871AE27614}"/>
               </a:ext>
             </a:extLst>
           </p:cNvPr>
@@ -16822,7 +16808,7 @@
           </a:ln>
           <a:extLst>
             <a:ext uri="{909E8E84-426E-40DD-AFC4-6F175D3DCCD1}">
-              <a14:hiddenFill xmlns:a14="http://schemas.microsoft.com/office/drawing/2010/main" xmlns="">
+              <a14:hiddenFill xmlns="" xmlns:a14="http://schemas.microsoft.com/office/drawing/2010/main">
                 <a:solidFill>
                   <a:srgbClr val="FFFFFF"/>
                 </a:solidFill>
@@ -17062,7 +17048,7 @@
           <p:cNvPr id="21" name="Rectangle 6">
             <a:extLst>
               <a:ext uri="{FF2B5EF4-FFF2-40B4-BE49-F238E27FC236}">
-                <a16:creationId xmlns:a16="http://schemas.microsoft.com/office/drawing/2014/main" xmlns="" id="{7E8D9A47-1FC7-4587-A252-981D87874F90}"/>
+                <a16:creationId xmlns="" xmlns:a16="http://schemas.microsoft.com/office/drawing/2014/main" id="{7E8D9A47-1FC7-4587-A252-981D87874F90}"/>
               </a:ext>
             </a:extLst>
           </p:cNvPr>
@@ -17085,14 +17071,14 @@
           </a:ln>
           <a:extLst>
             <a:ext uri="{909E8E84-426E-40DD-AFC4-6F175D3DCCD1}">
-              <a14:hiddenFill xmlns:a14="http://schemas.microsoft.com/office/drawing/2010/main" xmlns="">
+              <a14:hiddenFill xmlns="" xmlns:a14="http://schemas.microsoft.com/office/drawing/2010/main">
                 <a:solidFill>
                   <a:srgbClr val="FFFFFF"/>
                 </a:solidFill>
               </a14:hiddenFill>
             </a:ext>
             <a:ext uri="{91240B29-F687-4F45-9708-019B960494DF}">
-              <a14:hiddenLine xmlns:a14="http://schemas.microsoft.com/office/drawing/2010/main" xmlns="" w="9525">
+              <a14:hiddenLine xmlns="" xmlns:a14="http://schemas.microsoft.com/office/drawing/2010/main" w="9525">
                 <a:solidFill>
                   <a:srgbClr val="000000"/>
                 </a:solidFill>
@@ -17367,7 +17353,7 @@
           <p:cNvPr id="22" name="Rectangle 7">
             <a:extLst>
               <a:ext uri="{FF2B5EF4-FFF2-40B4-BE49-F238E27FC236}">
-                <a16:creationId xmlns:a16="http://schemas.microsoft.com/office/drawing/2014/main" xmlns="" id="{8FC26330-778B-4159-9776-6E02E6FA0FD5}"/>
+                <a16:creationId xmlns="" xmlns:a16="http://schemas.microsoft.com/office/drawing/2014/main" id="{8FC26330-778B-4159-9776-6E02E6FA0FD5}"/>
               </a:ext>
             </a:extLst>
           </p:cNvPr>
@@ -17596,7 +17582,7 @@
           <p:cNvPr id="23" name="Rectangle 8">
             <a:extLst>
               <a:ext uri="{FF2B5EF4-FFF2-40B4-BE49-F238E27FC236}">
-                <a16:creationId xmlns:a16="http://schemas.microsoft.com/office/drawing/2014/main" xmlns="" id="{9BDE3627-5935-4328-B387-9B5C97B8799C}"/>
+                <a16:creationId xmlns="" xmlns:a16="http://schemas.microsoft.com/office/drawing/2014/main" id="{9BDE3627-5935-4328-B387-9B5C97B8799C}"/>
               </a:ext>
             </a:extLst>
           </p:cNvPr>
@@ -17823,7 +17809,7 @@
     </p:spTree>
     <p:extLst>
       <p:ext uri="{BB962C8B-B14F-4D97-AF65-F5344CB8AC3E}">
-        <p14:creationId xmlns:p14="http://schemas.microsoft.com/office/powerpoint/2010/main" xmlns="" val="3916187604"/>
+        <p14:creationId xmlns="" xmlns:p14="http://schemas.microsoft.com/office/powerpoint/2010/main" val="3916187604"/>
       </p:ext>
     </p:extLst>
   </p:cSld>
@@ -17937,7 +17923,7 @@
           <p:cNvPr id="3" name="Content Placeholder 2">
             <a:extLst>
               <a:ext uri="{FF2B5EF4-FFF2-40B4-BE49-F238E27FC236}">
-                <a16:creationId xmlns:a16="http://schemas.microsoft.com/office/drawing/2014/main" xmlns="" id="{5FC13A4C-B4DF-404A-9E75-24F1F98FA229}"/>
+                <a16:creationId xmlns="" xmlns:a16="http://schemas.microsoft.com/office/drawing/2014/main" id="{5FC13A4C-B4DF-404A-9E75-24F1F98FA229}"/>
               </a:ext>
             </a:extLst>
           </p:cNvPr>
@@ -17968,7 +17954,7 @@
           <p:cNvPr id="13" name="Rectangle 3">
             <a:extLst>
               <a:ext uri="{FF2B5EF4-FFF2-40B4-BE49-F238E27FC236}">
-                <a16:creationId xmlns:a16="http://schemas.microsoft.com/office/drawing/2014/main" xmlns="" id="{33AF4465-99B3-453E-96EB-BF0AC57A5D1F}"/>
+                <a16:creationId xmlns="" xmlns:a16="http://schemas.microsoft.com/office/drawing/2014/main" id="{33AF4465-99B3-453E-96EB-BF0AC57A5D1F}"/>
               </a:ext>
             </a:extLst>
           </p:cNvPr>
@@ -17991,14 +17977,14 @@
           </a:ln>
           <a:extLst>
             <a:ext uri="{909E8E84-426E-40DD-AFC4-6F175D3DCCD1}">
-              <a14:hiddenFill xmlns:a14="http://schemas.microsoft.com/office/drawing/2010/main" xmlns="">
+              <a14:hiddenFill xmlns="" xmlns:a14="http://schemas.microsoft.com/office/drawing/2010/main">
                 <a:solidFill>
                   <a:srgbClr val="FFFFFF"/>
                 </a:solidFill>
               </a14:hiddenFill>
             </a:ext>
             <a:ext uri="{91240B29-F687-4F45-9708-019B960494DF}">
-              <a14:hiddenLine xmlns:a14="http://schemas.microsoft.com/office/drawing/2010/main" xmlns="" w="9525">
+              <a14:hiddenLine xmlns="" xmlns:a14="http://schemas.microsoft.com/office/drawing/2010/main" w="9525">
                 <a:solidFill>
                   <a:srgbClr val="000000"/>
                 </a:solidFill>
@@ -18448,7 +18434,7 @@
           <p:cNvPr id="14" name="Rectangle 4">
             <a:extLst>
               <a:ext uri="{FF2B5EF4-FFF2-40B4-BE49-F238E27FC236}">
-                <a16:creationId xmlns:a16="http://schemas.microsoft.com/office/drawing/2014/main" xmlns="" id="{C5B4CE12-16F2-46D2-911E-A337A1944AE4}"/>
+                <a16:creationId xmlns="" xmlns:a16="http://schemas.microsoft.com/office/drawing/2014/main" id="{C5B4CE12-16F2-46D2-911E-A337A1944AE4}"/>
               </a:ext>
             </a:extLst>
           </p:cNvPr>
@@ -18476,7 +18462,7 @@
           </a:ln>
           <a:extLst>
             <a:ext uri="{909E8E84-426E-40DD-AFC4-6F175D3DCCD1}">
-              <a14:hiddenFill xmlns:a14="http://schemas.microsoft.com/office/drawing/2010/main" xmlns="">
+              <a14:hiddenFill xmlns="" xmlns:a14="http://schemas.microsoft.com/office/drawing/2010/main">
                 <a:solidFill>
                   <a:srgbClr val="FFFFFF"/>
                 </a:solidFill>
@@ -18683,7 +18669,7 @@
           <p:cNvPr id="15" name="Rectangle 5">
             <a:extLst>
               <a:ext uri="{FF2B5EF4-FFF2-40B4-BE49-F238E27FC236}">
-                <a16:creationId xmlns:a16="http://schemas.microsoft.com/office/drawing/2014/main" xmlns="" id="{C17DE709-E1C5-4468-A42A-6AB120246E45}"/>
+                <a16:creationId xmlns="" xmlns:a16="http://schemas.microsoft.com/office/drawing/2014/main" id="{C17DE709-E1C5-4468-A42A-6AB120246E45}"/>
               </a:ext>
             </a:extLst>
           </p:cNvPr>
@@ -18711,7 +18697,7 @@
           </a:ln>
           <a:extLst>
             <a:ext uri="{909E8E84-426E-40DD-AFC4-6F175D3DCCD1}">
-              <a14:hiddenFill xmlns:a14="http://schemas.microsoft.com/office/drawing/2010/main" xmlns="">
+              <a14:hiddenFill xmlns="" xmlns:a14="http://schemas.microsoft.com/office/drawing/2010/main">
                 <a:solidFill>
                   <a:srgbClr val="FFFFFF"/>
                 </a:solidFill>
@@ -18951,7 +18937,7 @@
           <p:cNvPr id="16" name="Rectangle 6">
             <a:extLst>
               <a:ext uri="{FF2B5EF4-FFF2-40B4-BE49-F238E27FC236}">
-                <a16:creationId xmlns:a16="http://schemas.microsoft.com/office/drawing/2014/main" xmlns="" id="{2EAA81F9-6E7F-4890-9446-E6DAB8C8B294}"/>
+                <a16:creationId xmlns="" xmlns:a16="http://schemas.microsoft.com/office/drawing/2014/main" id="{2EAA81F9-6E7F-4890-9446-E6DAB8C8B294}"/>
               </a:ext>
             </a:extLst>
           </p:cNvPr>
@@ -18974,14 +18960,14 @@
           </a:ln>
           <a:extLst>
             <a:ext uri="{909E8E84-426E-40DD-AFC4-6F175D3DCCD1}">
-              <a14:hiddenFill xmlns:a14="http://schemas.microsoft.com/office/drawing/2010/main" xmlns="">
+              <a14:hiddenFill xmlns="" xmlns:a14="http://schemas.microsoft.com/office/drawing/2010/main">
                 <a:solidFill>
                   <a:srgbClr val="FFFFFF"/>
                 </a:solidFill>
               </a14:hiddenFill>
             </a:ext>
             <a:ext uri="{91240B29-F687-4F45-9708-019B960494DF}">
-              <a14:hiddenLine xmlns:a14="http://schemas.microsoft.com/office/drawing/2010/main" xmlns="" w="9525">
+              <a14:hiddenLine xmlns="" xmlns:a14="http://schemas.microsoft.com/office/drawing/2010/main" w="9525">
                 <a:solidFill>
                   <a:srgbClr val="000000"/>
                 </a:solidFill>
@@ -19253,7 +19239,7 @@
           <p:cNvPr id="17" name="Rectangle 7">
             <a:extLst>
               <a:ext uri="{FF2B5EF4-FFF2-40B4-BE49-F238E27FC236}">
-                <a16:creationId xmlns:a16="http://schemas.microsoft.com/office/drawing/2014/main" xmlns="" id="{134E97FD-4D73-44CD-A945-491C57868BEE}"/>
+                <a16:creationId xmlns="" xmlns:a16="http://schemas.microsoft.com/office/drawing/2014/main" id="{134E97FD-4D73-44CD-A945-491C57868BEE}"/>
               </a:ext>
             </a:extLst>
           </p:cNvPr>
@@ -19482,7 +19468,7 @@
           <p:cNvPr id="24" name="Rectangle 8">
             <a:extLst>
               <a:ext uri="{FF2B5EF4-FFF2-40B4-BE49-F238E27FC236}">
-                <a16:creationId xmlns:a16="http://schemas.microsoft.com/office/drawing/2014/main" xmlns="" id="{A6862FE3-F512-4E52-8A02-35CBED38CE69}"/>
+                <a16:creationId xmlns="" xmlns:a16="http://schemas.microsoft.com/office/drawing/2014/main" id="{A6862FE3-F512-4E52-8A02-35CBED38CE69}"/>
               </a:ext>
             </a:extLst>
           </p:cNvPr>
@@ -19709,7 +19695,7 @@
     </p:spTree>
     <p:extLst>
       <p:ext uri="{BB962C8B-B14F-4D97-AF65-F5344CB8AC3E}">
-        <p14:creationId xmlns:p14="http://schemas.microsoft.com/office/powerpoint/2010/main" xmlns="" val="4256100679"/>
+        <p14:creationId xmlns="" xmlns:p14="http://schemas.microsoft.com/office/powerpoint/2010/main" val="4256100679"/>
       </p:ext>
     </p:extLst>
   </p:cSld>
@@ -19867,7 +19853,7 @@
     </p:spTree>
     <p:extLst>
       <p:ext uri="{BB962C8B-B14F-4D97-AF65-F5344CB8AC3E}">
-        <p14:creationId xmlns:p14="http://schemas.microsoft.com/office/powerpoint/2010/main" xmlns="" val="2336250104"/>
+        <p14:creationId xmlns="" xmlns:p14="http://schemas.microsoft.com/office/powerpoint/2010/main" val="2336250104"/>
       </p:ext>
     </p:extLst>
   </p:cSld>
@@ -19974,7 +19960,7 @@
           <p:cNvPr id="4" name="Content Placeholder 3">
             <a:extLst>
               <a:ext uri="{FF2B5EF4-FFF2-40B4-BE49-F238E27FC236}">
-                <a16:creationId xmlns:a16="http://schemas.microsoft.com/office/drawing/2014/main" xmlns="" id="{37F23BEF-DC86-48BE-A6C7-A0A9A939E95F}"/>
+                <a16:creationId xmlns="" xmlns:a16="http://schemas.microsoft.com/office/drawing/2014/main" id="{37F23BEF-DC86-48BE-A6C7-A0A9A939E95F}"/>
               </a:ext>
             </a:extLst>
           </p:cNvPr>
@@ -20005,7 +19991,7 @@
           <p:cNvPr id="18" name="Rectangle 2">
             <a:extLst>
               <a:ext uri="{FF2B5EF4-FFF2-40B4-BE49-F238E27FC236}">
-                <a16:creationId xmlns:a16="http://schemas.microsoft.com/office/drawing/2014/main" xmlns="" id="{4F3C8F9F-8186-48F6-9E74-99BAE96B96F5}"/>
+                <a16:creationId xmlns="" xmlns:a16="http://schemas.microsoft.com/office/drawing/2014/main" id="{4F3C8F9F-8186-48F6-9E74-99BAE96B96F5}"/>
               </a:ext>
             </a:extLst>
           </p:cNvPr>
@@ -20235,7 +20221,7 @@
           <p:cNvPr id="19" name="Rectangle 4">
             <a:extLst>
               <a:ext uri="{FF2B5EF4-FFF2-40B4-BE49-F238E27FC236}">
-                <a16:creationId xmlns:a16="http://schemas.microsoft.com/office/drawing/2014/main" xmlns="" id="{8DEF13DD-E064-4CBB-8954-98CCEE226676}"/>
+                <a16:creationId xmlns="" xmlns:a16="http://schemas.microsoft.com/office/drawing/2014/main" id="{8DEF13DD-E064-4CBB-8954-98CCEE226676}"/>
               </a:ext>
             </a:extLst>
           </p:cNvPr>
@@ -20258,14 +20244,14 @@
           </a:ln>
           <a:extLst>
             <a:ext uri="{909E8E84-426E-40DD-AFC4-6F175D3DCCD1}">
-              <a14:hiddenFill xmlns:a14="http://schemas.microsoft.com/office/drawing/2010/main" xmlns="">
+              <a14:hiddenFill xmlns="" xmlns:a14="http://schemas.microsoft.com/office/drawing/2010/main">
                 <a:solidFill>
                   <a:srgbClr val="FFFFFF"/>
                 </a:solidFill>
               </a14:hiddenFill>
             </a:ext>
             <a:ext uri="{91240B29-F687-4F45-9708-019B960494DF}">
-              <a14:hiddenLine xmlns:a14="http://schemas.microsoft.com/office/drawing/2010/main" xmlns="" w="9525">
+              <a14:hiddenLine xmlns="" xmlns:a14="http://schemas.microsoft.com/office/drawing/2010/main" w="9525">
                 <a:solidFill>
                   <a:srgbClr val="000000"/>
                 </a:solidFill>
@@ -20529,7 +20515,7 @@
           <p:cNvPr id="20" name="Rectangle 5">
             <a:extLst>
               <a:ext uri="{FF2B5EF4-FFF2-40B4-BE49-F238E27FC236}">
-                <a16:creationId xmlns:a16="http://schemas.microsoft.com/office/drawing/2014/main" xmlns="" id="{4C727663-6781-4BB2-A072-57D5449A460F}"/>
+                <a16:creationId xmlns="" xmlns:a16="http://schemas.microsoft.com/office/drawing/2014/main" id="{4C727663-6781-4BB2-A072-57D5449A460F}"/>
               </a:ext>
             </a:extLst>
           </p:cNvPr>
@@ -20557,7 +20543,7 @@
           </a:ln>
           <a:extLst>
             <a:ext uri="{909E8E84-426E-40DD-AFC4-6F175D3DCCD1}">
-              <a14:hiddenFill xmlns:a14="http://schemas.microsoft.com/office/drawing/2010/main" xmlns="">
+              <a14:hiddenFill xmlns="" xmlns:a14="http://schemas.microsoft.com/office/drawing/2010/main">
                 <a:solidFill>
                   <a:srgbClr val="FFFFFF"/>
                 </a:solidFill>
@@ -20764,7 +20750,7 @@
           <p:cNvPr id="21" name="Rectangle 6">
             <a:extLst>
               <a:ext uri="{FF2B5EF4-FFF2-40B4-BE49-F238E27FC236}">
-                <a16:creationId xmlns:a16="http://schemas.microsoft.com/office/drawing/2014/main" xmlns="" id="{CE79B4B2-ACAC-417E-A8A6-92DF00CE4061}"/>
+                <a16:creationId xmlns="" xmlns:a16="http://schemas.microsoft.com/office/drawing/2014/main" id="{CE79B4B2-ACAC-417E-A8A6-92DF00CE4061}"/>
               </a:ext>
             </a:extLst>
           </p:cNvPr>
@@ -20792,7 +20778,7 @@
           </a:ln>
           <a:extLst>
             <a:ext uri="{909E8E84-426E-40DD-AFC4-6F175D3DCCD1}">
-              <a14:hiddenFill xmlns:a14="http://schemas.microsoft.com/office/drawing/2010/main" xmlns="">
+              <a14:hiddenFill xmlns="" xmlns:a14="http://schemas.microsoft.com/office/drawing/2010/main">
                 <a:solidFill>
                   <a:srgbClr val="FFFFFF"/>
                 </a:solidFill>
@@ -21058,7 +21044,7 @@
           <p:cNvPr id="22" name="Rectangle 7">
             <a:extLst>
               <a:ext uri="{FF2B5EF4-FFF2-40B4-BE49-F238E27FC236}">
-                <a16:creationId xmlns:a16="http://schemas.microsoft.com/office/drawing/2014/main" xmlns="" id="{EC92C322-CCA6-42A9-9795-1EA627370978}"/>
+                <a16:creationId xmlns="" xmlns:a16="http://schemas.microsoft.com/office/drawing/2014/main" id="{EC92C322-CCA6-42A9-9795-1EA627370978}"/>
               </a:ext>
             </a:extLst>
           </p:cNvPr>
@@ -21081,14 +21067,14 @@
           </a:ln>
           <a:extLst>
             <a:ext uri="{909E8E84-426E-40DD-AFC4-6F175D3DCCD1}">
-              <a14:hiddenFill xmlns:a14="http://schemas.microsoft.com/office/drawing/2010/main" xmlns="">
+              <a14:hiddenFill xmlns="" xmlns:a14="http://schemas.microsoft.com/office/drawing/2010/main">
                 <a:solidFill>
                   <a:srgbClr val="FFFFFF"/>
                 </a:solidFill>
               </a14:hiddenFill>
             </a:ext>
             <a:ext uri="{91240B29-F687-4F45-9708-019B960494DF}">
-              <a14:hiddenLine xmlns:a14="http://schemas.microsoft.com/office/drawing/2010/main" xmlns="" w="9525">
+              <a14:hiddenLine xmlns="" xmlns:a14="http://schemas.microsoft.com/office/drawing/2010/main" w="9525">
                 <a:solidFill>
                   <a:srgbClr val="000000"/>
                 </a:solidFill>
@@ -21572,7 +21558,7 @@
           <p:cNvPr id="23" name="Rectangle 8">
             <a:extLst>
               <a:ext uri="{FF2B5EF4-FFF2-40B4-BE49-F238E27FC236}">
-                <a16:creationId xmlns:a16="http://schemas.microsoft.com/office/drawing/2014/main" xmlns="" id="{0210B39C-81BB-4B26-BD28-A29E60FD74D2}"/>
+                <a16:creationId xmlns="" xmlns:a16="http://schemas.microsoft.com/office/drawing/2014/main" id="{0210B39C-81BB-4B26-BD28-A29E60FD74D2}"/>
               </a:ext>
             </a:extLst>
           </p:cNvPr>
@@ -21801,7 +21787,7 @@
           <p:cNvPr id="25" name="AutoShape 9">
             <a:extLst>
               <a:ext uri="{FF2B5EF4-FFF2-40B4-BE49-F238E27FC236}">
-                <a16:creationId xmlns:a16="http://schemas.microsoft.com/office/drawing/2014/main" xmlns="" id="{362038E5-003C-4B57-B514-5B4B3037F4C2}"/>
+                <a16:creationId xmlns="" xmlns:a16="http://schemas.microsoft.com/office/drawing/2014/main" id="{362038E5-003C-4B57-B514-5B4B3037F4C2}"/>
               </a:ext>
             </a:extLst>
           </p:cNvPr>
@@ -22032,7 +22018,7 @@
           <p:cNvPr id="26" name="AutoShape 10">
             <a:extLst>
               <a:ext uri="{FF2B5EF4-FFF2-40B4-BE49-F238E27FC236}">
-                <a16:creationId xmlns:a16="http://schemas.microsoft.com/office/drawing/2014/main" xmlns="" id="{92FC882D-2473-4C5F-AD10-938C5484BD7C}"/>
+                <a16:creationId xmlns="" xmlns:a16="http://schemas.microsoft.com/office/drawing/2014/main" id="{92FC882D-2473-4C5F-AD10-938C5484BD7C}"/>
               </a:ext>
             </a:extLst>
           </p:cNvPr>
@@ -22261,7 +22247,7 @@
     </p:spTree>
     <p:extLst>
       <p:ext uri="{BB962C8B-B14F-4D97-AF65-F5344CB8AC3E}">
-        <p14:creationId xmlns:p14="http://schemas.microsoft.com/office/powerpoint/2010/main" xmlns="" val="2319563855"/>
+        <p14:creationId xmlns="" xmlns:p14="http://schemas.microsoft.com/office/powerpoint/2010/main" val="2319563855"/>
       </p:ext>
     </p:extLst>
   </p:cSld>
@@ -22375,7 +22361,7 @@
           <p:cNvPr id="4" name="Content Placeholder 3">
             <a:extLst>
               <a:ext uri="{FF2B5EF4-FFF2-40B4-BE49-F238E27FC236}">
-                <a16:creationId xmlns:a16="http://schemas.microsoft.com/office/drawing/2014/main" xmlns="" id="{6E8810BC-4F27-40EA-AD49-C5E4C1CCE598}"/>
+                <a16:creationId xmlns="" xmlns:a16="http://schemas.microsoft.com/office/drawing/2014/main" id="{6E8810BC-4F27-40EA-AD49-C5E4C1CCE598}"/>
               </a:ext>
             </a:extLst>
           </p:cNvPr>
@@ -22406,7 +22392,7 @@
           <p:cNvPr id="18" name="Rectangle 2">
             <a:extLst>
               <a:ext uri="{FF2B5EF4-FFF2-40B4-BE49-F238E27FC236}">
-                <a16:creationId xmlns:a16="http://schemas.microsoft.com/office/drawing/2014/main" xmlns="" id="{E6FBBE82-1345-4499-B943-B3A887B0ACBB}"/>
+                <a16:creationId xmlns="" xmlns:a16="http://schemas.microsoft.com/office/drawing/2014/main" id="{E6FBBE82-1345-4499-B943-B3A887B0ACBB}"/>
               </a:ext>
             </a:extLst>
           </p:cNvPr>
@@ -22633,7 +22619,7 @@
           <p:cNvPr id="19" name="Rectangle 4">
             <a:extLst>
               <a:ext uri="{FF2B5EF4-FFF2-40B4-BE49-F238E27FC236}">
-                <a16:creationId xmlns:a16="http://schemas.microsoft.com/office/drawing/2014/main" xmlns="" id="{6E9491C3-5F33-4F79-9FEE-552930F77735}"/>
+                <a16:creationId xmlns="" xmlns:a16="http://schemas.microsoft.com/office/drawing/2014/main" id="{6E9491C3-5F33-4F79-9FEE-552930F77735}"/>
               </a:ext>
             </a:extLst>
           </p:cNvPr>
@@ -22656,14 +22642,14 @@
           </a:ln>
           <a:extLst>
             <a:ext uri="{909E8E84-426E-40DD-AFC4-6F175D3DCCD1}">
-              <a14:hiddenFill xmlns:a14="http://schemas.microsoft.com/office/drawing/2010/main" xmlns="">
+              <a14:hiddenFill xmlns="" xmlns:a14="http://schemas.microsoft.com/office/drawing/2010/main">
                 <a:solidFill>
                   <a:srgbClr val="FFFFFF"/>
                 </a:solidFill>
               </a14:hiddenFill>
             </a:ext>
             <a:ext uri="{91240B29-F687-4F45-9708-019B960494DF}">
-              <a14:hiddenLine xmlns:a14="http://schemas.microsoft.com/office/drawing/2010/main" xmlns="" w="9525">
+              <a14:hiddenLine xmlns="" xmlns:a14="http://schemas.microsoft.com/office/drawing/2010/main" w="9525">
                 <a:solidFill>
                   <a:srgbClr val="000000"/>
                 </a:solidFill>
@@ -22927,7 +22913,7 @@
           <p:cNvPr id="20" name="Rectangle 5">
             <a:extLst>
               <a:ext uri="{FF2B5EF4-FFF2-40B4-BE49-F238E27FC236}">
-                <a16:creationId xmlns:a16="http://schemas.microsoft.com/office/drawing/2014/main" xmlns="" id="{34AE16D0-5A7B-421A-BD7E-395205897118}"/>
+                <a16:creationId xmlns="" xmlns:a16="http://schemas.microsoft.com/office/drawing/2014/main" id="{34AE16D0-5A7B-421A-BD7E-395205897118}"/>
               </a:ext>
             </a:extLst>
           </p:cNvPr>
@@ -22955,7 +22941,7 @@
           </a:ln>
           <a:extLst>
             <a:ext uri="{909E8E84-426E-40DD-AFC4-6F175D3DCCD1}">
-              <a14:hiddenFill xmlns:a14="http://schemas.microsoft.com/office/drawing/2010/main" xmlns="">
+              <a14:hiddenFill xmlns="" xmlns:a14="http://schemas.microsoft.com/office/drawing/2010/main">
                 <a:solidFill>
                   <a:srgbClr val="FFFFFF"/>
                 </a:solidFill>
@@ -23177,7 +23163,7 @@
           <p:cNvPr id="21" name="Rectangle 6">
             <a:extLst>
               <a:ext uri="{FF2B5EF4-FFF2-40B4-BE49-F238E27FC236}">
-                <a16:creationId xmlns:a16="http://schemas.microsoft.com/office/drawing/2014/main" xmlns="" id="{FC53CA6A-B32C-4EC1-A42E-C43E4F92CDB5}"/>
+                <a16:creationId xmlns="" xmlns:a16="http://schemas.microsoft.com/office/drawing/2014/main" id="{FC53CA6A-B32C-4EC1-A42E-C43E4F92CDB5}"/>
               </a:ext>
             </a:extLst>
           </p:cNvPr>
@@ -23205,7 +23191,7 @@
           </a:ln>
           <a:extLst>
             <a:ext uri="{909E8E84-426E-40DD-AFC4-6F175D3DCCD1}">
-              <a14:hiddenFill xmlns:a14="http://schemas.microsoft.com/office/drawing/2010/main" xmlns="">
+              <a14:hiddenFill xmlns="" xmlns:a14="http://schemas.microsoft.com/office/drawing/2010/main">
                 <a:solidFill>
                   <a:srgbClr val="FFFFFF"/>
                 </a:solidFill>
@@ -23439,7 +23425,7 @@
           <p:cNvPr id="22" name="Rectangle 7">
             <a:extLst>
               <a:ext uri="{FF2B5EF4-FFF2-40B4-BE49-F238E27FC236}">
-                <a16:creationId xmlns:a16="http://schemas.microsoft.com/office/drawing/2014/main" xmlns="" id="{79A31360-E8B6-4B8E-B0B3-077E612C418A}"/>
+                <a16:creationId xmlns="" xmlns:a16="http://schemas.microsoft.com/office/drawing/2014/main" id="{79A31360-E8B6-4B8E-B0B3-077E612C418A}"/>
               </a:ext>
             </a:extLst>
           </p:cNvPr>
@@ -23462,14 +23448,14 @@
           </a:ln>
           <a:extLst>
             <a:ext uri="{909E8E84-426E-40DD-AFC4-6F175D3DCCD1}">
-              <a14:hiddenFill xmlns:a14="http://schemas.microsoft.com/office/drawing/2010/main" xmlns="">
+              <a14:hiddenFill xmlns="" xmlns:a14="http://schemas.microsoft.com/office/drawing/2010/main">
                 <a:solidFill>
                   <a:srgbClr val="FFFFFF"/>
                 </a:solidFill>
               </a14:hiddenFill>
             </a:ext>
             <a:ext uri="{91240B29-F687-4F45-9708-019B960494DF}">
-              <a14:hiddenLine xmlns:a14="http://schemas.microsoft.com/office/drawing/2010/main" xmlns="" w="9525">
+              <a14:hiddenLine xmlns="" xmlns:a14="http://schemas.microsoft.com/office/drawing/2010/main" w="9525">
                 <a:solidFill>
                   <a:srgbClr val="000000"/>
                 </a:solidFill>
@@ -23825,7 +23811,7 @@
           <p:cNvPr id="23" name="Rectangle 8">
             <a:extLst>
               <a:ext uri="{FF2B5EF4-FFF2-40B4-BE49-F238E27FC236}">
-                <a16:creationId xmlns:a16="http://schemas.microsoft.com/office/drawing/2014/main" xmlns="" id="{0BCBAD46-F1E4-4E4F-B449-06ED99A089D2}"/>
+                <a16:creationId xmlns="" xmlns:a16="http://schemas.microsoft.com/office/drawing/2014/main" id="{0BCBAD46-F1E4-4E4F-B449-06ED99A089D2}"/>
               </a:ext>
             </a:extLst>
           </p:cNvPr>
@@ -24054,7 +24040,7 @@
           <p:cNvPr id="25" name="AutoShape 9">
             <a:extLst>
               <a:ext uri="{FF2B5EF4-FFF2-40B4-BE49-F238E27FC236}">
-                <a16:creationId xmlns:a16="http://schemas.microsoft.com/office/drawing/2014/main" xmlns="" id="{487EB913-99BF-4E65-BD2B-8B8A54FBA0B6}"/>
+                <a16:creationId xmlns="" xmlns:a16="http://schemas.microsoft.com/office/drawing/2014/main" id="{487EB913-99BF-4E65-BD2B-8B8A54FBA0B6}"/>
               </a:ext>
             </a:extLst>
           </p:cNvPr>
@@ -24302,7 +24288,7 @@
           <p:cNvPr id="26" name="AutoShape 10">
             <a:extLst>
               <a:ext uri="{FF2B5EF4-FFF2-40B4-BE49-F238E27FC236}">
-                <a16:creationId xmlns:a16="http://schemas.microsoft.com/office/drawing/2014/main" xmlns="" id="{2ABA2B42-2712-40F3-B282-63AB237A7C0F}"/>
+                <a16:creationId xmlns="" xmlns:a16="http://schemas.microsoft.com/office/drawing/2014/main" id="{2ABA2B42-2712-40F3-B282-63AB237A7C0F}"/>
               </a:ext>
             </a:extLst>
           </p:cNvPr>
@@ -24531,7 +24517,7 @@
     </p:spTree>
     <p:extLst>
       <p:ext uri="{BB962C8B-B14F-4D97-AF65-F5344CB8AC3E}">
-        <p14:creationId xmlns:p14="http://schemas.microsoft.com/office/powerpoint/2010/main" xmlns="" val="4136083534"/>
+        <p14:creationId xmlns="" xmlns:p14="http://schemas.microsoft.com/office/powerpoint/2010/main" val="4136083534"/>
       </p:ext>
     </p:extLst>
   </p:cSld>
@@ -24645,7 +24631,7 @@
           <p:cNvPr id="7" name="Content Placeholder 6">
             <a:extLst>
               <a:ext uri="{FF2B5EF4-FFF2-40B4-BE49-F238E27FC236}">
-                <a16:creationId xmlns:a16="http://schemas.microsoft.com/office/drawing/2014/main" xmlns="" id="{F13672B5-B925-4B14-B7DF-D483C1DA3D7C}"/>
+                <a16:creationId xmlns="" xmlns:a16="http://schemas.microsoft.com/office/drawing/2014/main" id="{F13672B5-B925-4B14-B7DF-D483C1DA3D7C}"/>
               </a:ext>
             </a:extLst>
           </p:cNvPr>
@@ -24676,7 +24662,7 @@
           <p:cNvPr id="24" name="Rectangle 3">
             <a:extLst>
               <a:ext uri="{FF2B5EF4-FFF2-40B4-BE49-F238E27FC236}">
-                <a16:creationId xmlns:a16="http://schemas.microsoft.com/office/drawing/2014/main" xmlns="" id="{0F1F4580-E1A6-4BD0-914F-355D32FAA9E1}"/>
+                <a16:creationId xmlns="" xmlns:a16="http://schemas.microsoft.com/office/drawing/2014/main" id="{0F1F4580-E1A6-4BD0-914F-355D32FAA9E1}"/>
               </a:ext>
             </a:extLst>
           </p:cNvPr>
@@ -24699,14 +24685,14 @@
           </a:ln>
           <a:extLst>
             <a:ext uri="{909E8E84-426E-40DD-AFC4-6F175D3DCCD1}">
-              <a14:hiddenFill xmlns:a14="http://schemas.microsoft.com/office/drawing/2010/main" xmlns="">
+              <a14:hiddenFill xmlns="" xmlns:a14="http://schemas.microsoft.com/office/drawing/2010/main">
                 <a:solidFill>
                   <a:srgbClr val="FFFFFF"/>
                 </a:solidFill>
               </a14:hiddenFill>
             </a:ext>
             <a:ext uri="{91240B29-F687-4F45-9708-019B960494DF}">
-              <a14:hiddenLine xmlns:a14="http://schemas.microsoft.com/office/drawing/2010/main" xmlns="" w="9525">
+              <a14:hiddenLine xmlns="" xmlns:a14="http://schemas.microsoft.com/office/drawing/2010/main" w="9525">
                 <a:solidFill>
                   <a:srgbClr val="000000"/>
                 </a:solidFill>
@@ -25160,7 +25146,7 @@
           <p:cNvPr id="27" name="Rectangle 4">
             <a:extLst>
               <a:ext uri="{FF2B5EF4-FFF2-40B4-BE49-F238E27FC236}">
-                <a16:creationId xmlns:a16="http://schemas.microsoft.com/office/drawing/2014/main" xmlns="" id="{62D9A6FB-9BA5-41A2-9A87-4D0F61C6272B}"/>
+                <a16:creationId xmlns="" xmlns:a16="http://schemas.microsoft.com/office/drawing/2014/main" id="{62D9A6FB-9BA5-41A2-9A87-4D0F61C6272B}"/>
               </a:ext>
             </a:extLst>
           </p:cNvPr>
@@ -25188,7 +25174,7 @@
           </a:ln>
           <a:extLst>
             <a:ext uri="{909E8E84-426E-40DD-AFC4-6F175D3DCCD1}">
-              <a14:hiddenFill xmlns:a14="http://schemas.microsoft.com/office/drawing/2010/main" xmlns="">
+              <a14:hiddenFill xmlns="" xmlns:a14="http://schemas.microsoft.com/office/drawing/2010/main">
                 <a:solidFill>
                   <a:srgbClr val="FFFFFF"/>
                 </a:solidFill>
@@ -25393,7 +25379,7 @@
     </p:spTree>
     <p:extLst>
       <p:ext uri="{BB962C8B-B14F-4D97-AF65-F5344CB8AC3E}">
-        <p14:creationId xmlns:p14="http://schemas.microsoft.com/office/powerpoint/2010/main" xmlns="" val="1686901682"/>
+        <p14:creationId xmlns="" xmlns:p14="http://schemas.microsoft.com/office/powerpoint/2010/main" val="1686901682"/>
       </p:ext>
     </p:extLst>
   </p:cSld>
@@ -25510,7 +25496,7 @@
           <p:cNvPr id="3" name="Content Placeholder 2">
             <a:extLst>
               <a:ext uri="{FF2B5EF4-FFF2-40B4-BE49-F238E27FC236}">
-                <a16:creationId xmlns:a16="http://schemas.microsoft.com/office/drawing/2014/main" xmlns="" id="{02D9390E-2D69-457A-8A63-8012338D7B7D}"/>
+                <a16:creationId xmlns="" xmlns:a16="http://schemas.microsoft.com/office/drawing/2014/main" id="{02D9390E-2D69-457A-8A63-8012338D7B7D}"/>
               </a:ext>
             </a:extLst>
           </p:cNvPr>
@@ -26014,7 +26000,7 @@
     </p:spTree>
     <p:extLst>
       <p:ext uri="{BB962C8B-B14F-4D97-AF65-F5344CB8AC3E}">
-        <p14:creationId xmlns:p14="http://schemas.microsoft.com/office/powerpoint/2010/main" xmlns="" val="142289158"/>
+        <p14:creationId xmlns="" xmlns:p14="http://schemas.microsoft.com/office/powerpoint/2010/main" val="142289158"/>
       </p:ext>
     </p:extLst>
   </p:cSld>
@@ -26131,7 +26117,7 @@
           <p:cNvPr id="3" name="Content Placeholder 2">
             <a:extLst>
               <a:ext uri="{FF2B5EF4-FFF2-40B4-BE49-F238E27FC236}">
-                <a16:creationId xmlns:a16="http://schemas.microsoft.com/office/drawing/2014/main" xmlns="" id="{02D9390E-2D69-457A-8A63-8012338D7B7D}"/>
+                <a16:creationId xmlns="" xmlns:a16="http://schemas.microsoft.com/office/drawing/2014/main" id="{02D9390E-2D69-457A-8A63-8012338D7B7D}"/>
               </a:ext>
             </a:extLst>
           </p:cNvPr>
@@ -26162,7 +26148,7 @@
           <p:cNvPr id="11" name="Rectangle 3">
             <a:extLst>
               <a:ext uri="{FF2B5EF4-FFF2-40B4-BE49-F238E27FC236}">
-                <a16:creationId xmlns:a16="http://schemas.microsoft.com/office/drawing/2014/main" xmlns="" id="{6C957542-F612-4398-8929-D258F3D48B3F}"/>
+                <a16:creationId xmlns="" xmlns:a16="http://schemas.microsoft.com/office/drawing/2014/main" id="{6C957542-F612-4398-8929-D258F3D48B3F}"/>
               </a:ext>
             </a:extLst>
           </p:cNvPr>
@@ -26185,14 +26171,14 @@
           </a:ln>
           <a:extLst>
             <a:ext uri="{909E8E84-426E-40DD-AFC4-6F175D3DCCD1}">
-              <a14:hiddenFill xmlns:a14="http://schemas.microsoft.com/office/drawing/2010/main" xmlns="">
+              <a14:hiddenFill xmlns="" xmlns:a14="http://schemas.microsoft.com/office/drawing/2010/main">
                 <a:solidFill>
                   <a:srgbClr val="FFFFFF"/>
                 </a:solidFill>
               </a14:hiddenFill>
             </a:ext>
             <a:ext uri="{91240B29-F687-4F45-9708-019B960494DF}">
-              <a14:hiddenLine xmlns:a14="http://schemas.microsoft.com/office/drawing/2010/main" xmlns="" w="9525">
+              <a14:hiddenLine xmlns="" xmlns:a14="http://schemas.microsoft.com/office/drawing/2010/main" w="9525">
                 <a:solidFill>
                   <a:srgbClr val="000000"/>
                 </a:solidFill>
@@ -26468,7 +26454,7 @@
           <p:cNvPr id="13" name="Rectangle 4">
             <a:extLst>
               <a:ext uri="{FF2B5EF4-FFF2-40B4-BE49-F238E27FC236}">
-                <a16:creationId xmlns:a16="http://schemas.microsoft.com/office/drawing/2014/main" xmlns="" id="{2F17ACDD-0E63-4197-B6BF-0C9961DD6E07}"/>
+                <a16:creationId xmlns="" xmlns:a16="http://schemas.microsoft.com/office/drawing/2014/main" id="{2F17ACDD-0E63-4197-B6BF-0C9961DD6E07}"/>
               </a:ext>
             </a:extLst>
           </p:cNvPr>
@@ -26496,7 +26482,7 @@
           </a:ln>
           <a:extLst>
             <a:ext uri="{909E8E84-426E-40DD-AFC4-6F175D3DCCD1}">
-              <a14:hiddenFill xmlns:a14="http://schemas.microsoft.com/office/drawing/2010/main" xmlns="">
+              <a14:hiddenFill xmlns="" xmlns:a14="http://schemas.microsoft.com/office/drawing/2010/main">
                 <a:solidFill>
                   <a:srgbClr val="FFFFFF"/>
                 </a:solidFill>
@@ -26703,7 +26689,7 @@
           <p:cNvPr id="14" name="Rectangle 5">
             <a:extLst>
               <a:ext uri="{FF2B5EF4-FFF2-40B4-BE49-F238E27FC236}">
-                <a16:creationId xmlns:a16="http://schemas.microsoft.com/office/drawing/2014/main" xmlns="" id="{0BAE6571-52DB-4E47-B5E9-C7BC90283F62}"/>
+                <a16:creationId xmlns="" xmlns:a16="http://schemas.microsoft.com/office/drawing/2014/main" id="{0BAE6571-52DB-4E47-B5E9-C7BC90283F62}"/>
               </a:ext>
             </a:extLst>
           </p:cNvPr>
@@ -26731,7 +26717,7 @@
           </a:ln>
           <a:extLst>
             <a:ext uri="{909E8E84-426E-40DD-AFC4-6F175D3DCCD1}">
-              <a14:hiddenFill xmlns:a14="http://schemas.microsoft.com/office/drawing/2010/main" xmlns="">
+              <a14:hiddenFill xmlns="" xmlns:a14="http://schemas.microsoft.com/office/drawing/2010/main">
                 <a:solidFill>
                   <a:srgbClr val="FFFFFF"/>
                 </a:solidFill>
@@ -26956,7 +26942,7 @@
           <p:cNvPr id="15" name="Rectangle 6">
             <a:extLst>
               <a:ext uri="{FF2B5EF4-FFF2-40B4-BE49-F238E27FC236}">
-                <a16:creationId xmlns:a16="http://schemas.microsoft.com/office/drawing/2014/main" xmlns="" id="{47E9E95B-2EBA-4399-9527-23664B487307}"/>
+                <a16:creationId xmlns="" xmlns:a16="http://schemas.microsoft.com/office/drawing/2014/main" id="{47E9E95B-2EBA-4399-9527-23664B487307}"/>
               </a:ext>
             </a:extLst>
           </p:cNvPr>
@@ -26979,14 +26965,14 @@
           </a:ln>
           <a:extLst>
             <a:ext uri="{909E8E84-426E-40DD-AFC4-6F175D3DCCD1}">
-              <a14:hiddenFill xmlns:a14="http://schemas.microsoft.com/office/drawing/2010/main" xmlns="">
+              <a14:hiddenFill xmlns="" xmlns:a14="http://schemas.microsoft.com/office/drawing/2010/main">
                 <a:solidFill>
                   <a:srgbClr val="FFFFFF"/>
                 </a:solidFill>
               </a14:hiddenFill>
             </a:ext>
             <a:ext uri="{91240B29-F687-4F45-9708-019B960494DF}">
-              <a14:hiddenLine xmlns:a14="http://schemas.microsoft.com/office/drawing/2010/main" xmlns="" w="9525">
+              <a14:hiddenLine xmlns="" xmlns:a14="http://schemas.microsoft.com/office/drawing/2010/main" w="9525">
                 <a:solidFill>
                   <a:srgbClr val="000000"/>
                 </a:solidFill>
@@ -27273,7 +27259,7 @@
           <p:cNvPr id="16" name="Rectangle 7">
             <a:extLst>
               <a:ext uri="{FF2B5EF4-FFF2-40B4-BE49-F238E27FC236}">
-                <a16:creationId xmlns:a16="http://schemas.microsoft.com/office/drawing/2014/main" xmlns="" id="{6C6833D4-AF34-4456-9525-37A02D3D38AB}"/>
+                <a16:creationId xmlns="" xmlns:a16="http://schemas.microsoft.com/office/drawing/2014/main" id="{6C6833D4-AF34-4456-9525-37A02D3D38AB}"/>
               </a:ext>
             </a:extLst>
           </p:cNvPr>
@@ -27502,7 +27488,7 @@
           <p:cNvPr id="17" name="Rectangle 8">
             <a:extLst>
               <a:ext uri="{FF2B5EF4-FFF2-40B4-BE49-F238E27FC236}">
-                <a16:creationId xmlns:a16="http://schemas.microsoft.com/office/drawing/2014/main" xmlns="" id="{C31487E0-9D60-4557-ABD4-FFC6DB729656}"/>
+                <a16:creationId xmlns="" xmlns:a16="http://schemas.microsoft.com/office/drawing/2014/main" id="{C31487E0-9D60-4557-ABD4-FFC6DB729656}"/>
               </a:ext>
             </a:extLst>
           </p:cNvPr>
@@ -27525,14 +27511,14 @@
           </a:ln>
           <a:extLst>
             <a:ext uri="{909E8E84-426E-40DD-AFC4-6F175D3DCCD1}">
-              <a14:hiddenFill xmlns:a14="http://schemas.microsoft.com/office/drawing/2010/main" xmlns="">
+              <a14:hiddenFill xmlns="" xmlns:a14="http://schemas.microsoft.com/office/drawing/2010/main">
                 <a:solidFill>
                   <a:srgbClr val="FFFFFF"/>
                 </a:solidFill>
               </a14:hiddenFill>
             </a:ext>
             <a:ext uri="{91240B29-F687-4F45-9708-019B960494DF}">
-              <a14:hiddenLine xmlns:a14="http://schemas.microsoft.com/office/drawing/2010/main" xmlns="" w="9525">
+              <a14:hiddenLine xmlns="" xmlns:a14="http://schemas.microsoft.com/office/drawing/2010/main" w="9525">
                 <a:solidFill>
                   <a:srgbClr val="000000"/>
                 </a:solidFill>
@@ -27779,7 +27765,7 @@
     </p:spTree>
     <p:extLst>
       <p:ext uri="{BB962C8B-B14F-4D97-AF65-F5344CB8AC3E}">
-        <p14:creationId xmlns:p14="http://schemas.microsoft.com/office/powerpoint/2010/main" xmlns="" val="1301880923"/>
+        <p14:creationId xmlns="" xmlns:p14="http://schemas.microsoft.com/office/powerpoint/2010/main" val="1301880923"/>
       </p:ext>
     </p:extLst>
   </p:cSld>
@@ -27893,7 +27879,7 @@
           <p:cNvPr id="3" name="Content Placeholder 2">
             <a:extLst>
               <a:ext uri="{FF2B5EF4-FFF2-40B4-BE49-F238E27FC236}">
-                <a16:creationId xmlns:a16="http://schemas.microsoft.com/office/drawing/2014/main" xmlns="" id="{02D9390E-2D69-457A-8A63-8012338D7B7D}"/>
+                <a16:creationId xmlns="" xmlns:a16="http://schemas.microsoft.com/office/drawing/2014/main" id="{02D9390E-2D69-457A-8A63-8012338D7B7D}"/>
               </a:ext>
             </a:extLst>
           </p:cNvPr>
@@ -27924,7 +27910,7 @@
           <p:cNvPr id="7" name="Rectangle 3">
             <a:extLst>
               <a:ext uri="{FF2B5EF4-FFF2-40B4-BE49-F238E27FC236}">
-                <a16:creationId xmlns:a16="http://schemas.microsoft.com/office/drawing/2014/main" xmlns="" id="{F2B762E8-4E6F-45DD-9996-E211B1E983F1}"/>
+                <a16:creationId xmlns="" xmlns:a16="http://schemas.microsoft.com/office/drawing/2014/main" id="{F2B762E8-4E6F-45DD-9996-E211B1E983F1}"/>
               </a:ext>
             </a:extLst>
           </p:cNvPr>
@@ -27947,14 +27933,14 @@
           </a:ln>
           <a:extLst>
             <a:ext uri="{909E8E84-426E-40DD-AFC4-6F175D3DCCD1}">
-              <a14:hiddenFill xmlns:a14="http://schemas.microsoft.com/office/drawing/2010/main" xmlns="">
+              <a14:hiddenFill xmlns="" xmlns:a14="http://schemas.microsoft.com/office/drawing/2010/main">
                 <a:solidFill>
                   <a:srgbClr val="FFFFFF"/>
                 </a:solidFill>
               </a14:hiddenFill>
             </a:ext>
             <a:ext uri="{91240B29-F687-4F45-9708-019B960494DF}">
-              <a14:hiddenLine xmlns:a14="http://schemas.microsoft.com/office/drawing/2010/main" xmlns="" w="9525">
+              <a14:hiddenLine xmlns="" xmlns:a14="http://schemas.microsoft.com/office/drawing/2010/main" w="9525">
                 <a:solidFill>
                   <a:srgbClr val="000000"/>
                 </a:solidFill>
@@ -28328,7 +28314,7 @@
           <p:cNvPr id="8" name="Rectangle 4">
             <a:extLst>
               <a:ext uri="{FF2B5EF4-FFF2-40B4-BE49-F238E27FC236}">
-                <a16:creationId xmlns:a16="http://schemas.microsoft.com/office/drawing/2014/main" xmlns="" id="{C5F092A9-B420-4759-A423-937B446D9D25}"/>
+                <a16:creationId xmlns="" xmlns:a16="http://schemas.microsoft.com/office/drawing/2014/main" id="{C5F092A9-B420-4759-A423-937B446D9D25}"/>
               </a:ext>
             </a:extLst>
           </p:cNvPr>
@@ -28351,14 +28337,14 @@
           </a:ln>
           <a:extLst>
             <a:ext uri="{909E8E84-426E-40DD-AFC4-6F175D3DCCD1}">
-              <a14:hiddenFill xmlns:a14="http://schemas.microsoft.com/office/drawing/2010/main" xmlns="">
+              <a14:hiddenFill xmlns="" xmlns:a14="http://schemas.microsoft.com/office/drawing/2010/main">
                 <a:solidFill>
                   <a:srgbClr val="FFFFFF"/>
                 </a:solidFill>
               </a14:hiddenFill>
             </a:ext>
             <a:ext uri="{91240B29-F687-4F45-9708-019B960494DF}">
-              <a14:hiddenLine xmlns:a14="http://schemas.microsoft.com/office/drawing/2010/main" xmlns="" w="9525">
+              <a14:hiddenLine xmlns="" xmlns:a14="http://schemas.microsoft.com/office/drawing/2010/main" w="9525">
                 <a:solidFill>
                   <a:srgbClr val="000000"/>
                 </a:solidFill>
@@ -28732,7 +28718,7 @@
           <p:cNvPr id="9" name="Rectangle 5">
             <a:extLst>
               <a:ext uri="{FF2B5EF4-FFF2-40B4-BE49-F238E27FC236}">
-                <a16:creationId xmlns:a16="http://schemas.microsoft.com/office/drawing/2014/main" xmlns="" id="{F707DD9F-0E1A-4A0A-AC42-29E201CE6E78}"/>
+                <a16:creationId xmlns="" xmlns:a16="http://schemas.microsoft.com/office/drawing/2014/main" id="{F707DD9F-0E1A-4A0A-AC42-29E201CE6E78}"/>
               </a:ext>
             </a:extLst>
           </p:cNvPr>
@@ -28760,7 +28746,7 @@
           </a:ln>
           <a:extLst>
             <a:ext uri="{909E8E84-426E-40DD-AFC4-6F175D3DCCD1}">
-              <a14:hiddenFill xmlns:a14="http://schemas.microsoft.com/office/drawing/2010/main" xmlns="">
+              <a14:hiddenFill xmlns="" xmlns:a14="http://schemas.microsoft.com/office/drawing/2010/main">
                 <a:solidFill>
                   <a:srgbClr val="FFFFFF"/>
                 </a:solidFill>
@@ -28991,7 +28977,7 @@
           <p:cNvPr id="11" name="Rectangle 6">
             <a:extLst>
               <a:ext uri="{FF2B5EF4-FFF2-40B4-BE49-F238E27FC236}">
-                <a16:creationId xmlns:a16="http://schemas.microsoft.com/office/drawing/2014/main" xmlns="" id="{C7C5FBE6-D2EB-4C66-BFFF-F36CEC8E6B41}"/>
+                <a16:creationId xmlns="" xmlns:a16="http://schemas.microsoft.com/office/drawing/2014/main" id="{C7C5FBE6-D2EB-4C66-BFFF-F36CEC8E6B41}"/>
               </a:ext>
             </a:extLst>
           </p:cNvPr>
@@ -29220,7 +29206,7 @@
           <p:cNvPr id="13" name="Rectangle 7">
             <a:extLst>
               <a:ext uri="{FF2B5EF4-FFF2-40B4-BE49-F238E27FC236}">
-                <a16:creationId xmlns:a16="http://schemas.microsoft.com/office/drawing/2014/main" xmlns="" id="{D54DB006-CA8E-49CB-AC9F-A492B8FC9447}"/>
+                <a16:creationId xmlns="" xmlns:a16="http://schemas.microsoft.com/office/drawing/2014/main" id="{D54DB006-CA8E-49CB-AC9F-A492B8FC9447}"/>
               </a:ext>
             </a:extLst>
           </p:cNvPr>
@@ -29248,7 +29234,7 @@
           </a:ln>
           <a:extLst>
             <a:ext uri="{909E8E84-426E-40DD-AFC4-6F175D3DCCD1}">
-              <a14:hiddenFill xmlns:a14="http://schemas.microsoft.com/office/drawing/2010/main" xmlns="">
+              <a14:hiddenFill xmlns="" xmlns:a14="http://schemas.microsoft.com/office/drawing/2010/main">
                 <a:solidFill>
                   <a:schemeClr val="tx2"/>
                 </a:solidFill>
@@ -29536,7 +29522,7 @@
           <p:cNvPr id="14" name="Line 8">
             <a:extLst>
               <a:ext uri="{FF2B5EF4-FFF2-40B4-BE49-F238E27FC236}">
-                <a16:creationId xmlns:a16="http://schemas.microsoft.com/office/drawing/2014/main" xmlns="" id="{E7F729A1-0397-40DB-A767-B76F7E6D9693}"/>
+                <a16:creationId xmlns="" xmlns:a16="http://schemas.microsoft.com/office/drawing/2014/main" id="{E7F729A1-0397-40DB-A767-B76F7E6D9693}"/>
               </a:ext>
             </a:extLst>
           </p:cNvPr>
@@ -29564,7 +29550,7 @@
           </a:ln>
           <a:extLst>
             <a:ext uri="{909E8E84-426E-40DD-AFC4-6F175D3DCCD1}">
-              <a14:hiddenFill xmlns:a14="http://schemas.microsoft.com/office/drawing/2010/main" xmlns="">
+              <a14:hiddenFill xmlns="" xmlns:a14="http://schemas.microsoft.com/office/drawing/2010/main">
                 <a:noFill/>
               </a14:hiddenFill>
             </a:ext>
@@ -29583,7 +29569,7 @@
           <p:cNvPr id="15" name="Line 9">
             <a:extLst>
               <a:ext uri="{FF2B5EF4-FFF2-40B4-BE49-F238E27FC236}">
-                <a16:creationId xmlns:a16="http://schemas.microsoft.com/office/drawing/2014/main" xmlns="" id="{E734F769-29C3-4A4C-9AB5-541D562431A7}"/>
+                <a16:creationId xmlns="" xmlns:a16="http://schemas.microsoft.com/office/drawing/2014/main" id="{E734F769-29C3-4A4C-9AB5-541D562431A7}"/>
               </a:ext>
             </a:extLst>
           </p:cNvPr>
@@ -29611,7 +29597,7 @@
           </a:ln>
           <a:extLst>
             <a:ext uri="{909E8E84-426E-40DD-AFC4-6F175D3DCCD1}">
-              <a14:hiddenFill xmlns:a14="http://schemas.microsoft.com/office/drawing/2010/main" xmlns="">
+              <a14:hiddenFill xmlns="" xmlns:a14="http://schemas.microsoft.com/office/drawing/2010/main">
                 <a:noFill/>
               </a14:hiddenFill>
             </a:ext>
@@ -29628,7 +29614,7 @@
     </p:spTree>
     <p:extLst>
       <p:ext uri="{BB962C8B-B14F-4D97-AF65-F5344CB8AC3E}">
-        <p14:creationId xmlns:p14="http://schemas.microsoft.com/office/powerpoint/2010/main" xmlns="" val="3039470205"/>
+        <p14:creationId xmlns="" xmlns:p14="http://schemas.microsoft.com/office/powerpoint/2010/main" val="3039470205"/>
       </p:ext>
     </p:extLst>
   </p:cSld>
@@ -29735,7 +29721,7 @@
           <p:cNvPr id="3" name="Content Placeholder 2">
             <a:extLst>
               <a:ext uri="{FF2B5EF4-FFF2-40B4-BE49-F238E27FC236}">
-                <a16:creationId xmlns:a16="http://schemas.microsoft.com/office/drawing/2014/main" xmlns="" id="{02D9390E-2D69-457A-8A63-8012338D7B7D}"/>
+                <a16:creationId xmlns="" xmlns:a16="http://schemas.microsoft.com/office/drawing/2014/main" id="{02D9390E-2D69-457A-8A63-8012338D7B7D}"/>
               </a:ext>
             </a:extLst>
           </p:cNvPr>
@@ -29766,7 +29752,7 @@
           <p:cNvPr id="7" name="Rectangle 3">
             <a:extLst>
               <a:ext uri="{FF2B5EF4-FFF2-40B4-BE49-F238E27FC236}">
-                <a16:creationId xmlns:a16="http://schemas.microsoft.com/office/drawing/2014/main" xmlns="" id="{2CB2FA61-E802-4F3C-992B-89FAC51ECEEA}"/>
+                <a16:creationId xmlns="" xmlns:a16="http://schemas.microsoft.com/office/drawing/2014/main" id="{2CB2FA61-E802-4F3C-992B-89FAC51ECEEA}"/>
               </a:ext>
             </a:extLst>
           </p:cNvPr>
@@ -29789,14 +29775,14 @@
           </a:ln>
           <a:extLst>
             <a:ext uri="{909E8E84-426E-40DD-AFC4-6F175D3DCCD1}">
-              <a14:hiddenFill xmlns:a14="http://schemas.microsoft.com/office/drawing/2010/main" xmlns="">
+              <a14:hiddenFill xmlns="" xmlns:a14="http://schemas.microsoft.com/office/drawing/2010/main">
                 <a:solidFill>
                   <a:srgbClr val="FFFFFF"/>
                 </a:solidFill>
               </a14:hiddenFill>
             </a:ext>
             <a:ext uri="{91240B29-F687-4F45-9708-019B960494DF}">
-              <a14:hiddenLine xmlns:a14="http://schemas.microsoft.com/office/drawing/2010/main" xmlns="" w="9525">
+              <a14:hiddenLine xmlns="" xmlns:a14="http://schemas.microsoft.com/office/drawing/2010/main" w="9525">
                 <a:solidFill>
                   <a:srgbClr val="000000"/>
                 </a:solidFill>
@@ -30372,7 +30358,7 @@
           <p:cNvPr id="8" name="Rectangle 4">
             <a:extLst>
               <a:ext uri="{FF2B5EF4-FFF2-40B4-BE49-F238E27FC236}">
-                <a16:creationId xmlns:a16="http://schemas.microsoft.com/office/drawing/2014/main" xmlns="" id="{E61F0571-8C03-4A9D-8D0D-C75349F741DF}"/>
+                <a16:creationId xmlns="" xmlns:a16="http://schemas.microsoft.com/office/drawing/2014/main" id="{E61F0571-8C03-4A9D-8D0D-C75349F741DF}"/>
               </a:ext>
             </a:extLst>
           </p:cNvPr>
@@ -30400,7 +30386,7 @@
           </a:ln>
           <a:extLst>
             <a:ext uri="{909E8E84-426E-40DD-AFC4-6F175D3DCCD1}">
-              <a14:hiddenFill xmlns:a14="http://schemas.microsoft.com/office/drawing/2010/main" xmlns="">
+              <a14:hiddenFill xmlns="" xmlns:a14="http://schemas.microsoft.com/office/drawing/2010/main">
                 <a:solidFill>
                   <a:srgbClr val="FFFFFF"/>
                 </a:solidFill>
@@ -30613,7 +30599,7 @@
           <p:cNvPr id="9" name="Rectangle 5">
             <a:extLst>
               <a:ext uri="{FF2B5EF4-FFF2-40B4-BE49-F238E27FC236}">
-                <a16:creationId xmlns:a16="http://schemas.microsoft.com/office/drawing/2014/main" xmlns="" id="{3194DECF-78EA-4A3D-81BF-7E61BC45D08D}"/>
+                <a16:creationId xmlns="" xmlns:a16="http://schemas.microsoft.com/office/drawing/2014/main" id="{3194DECF-78EA-4A3D-81BF-7E61BC45D08D}"/>
               </a:ext>
             </a:extLst>
           </p:cNvPr>
@@ -30842,7 +30828,7 @@
           <p:cNvPr id="11" name="Rectangle 6">
             <a:extLst>
               <a:ext uri="{FF2B5EF4-FFF2-40B4-BE49-F238E27FC236}">
-                <a16:creationId xmlns:a16="http://schemas.microsoft.com/office/drawing/2014/main" xmlns="" id="{E9BDDBDA-460C-4048-A13A-20E8D4743876}"/>
+                <a16:creationId xmlns="" xmlns:a16="http://schemas.microsoft.com/office/drawing/2014/main" id="{E9BDDBDA-460C-4048-A13A-20E8D4743876}"/>
               </a:ext>
             </a:extLst>
           </p:cNvPr>
@@ -31069,7 +31055,7 @@
     </p:spTree>
     <p:extLst>
       <p:ext uri="{BB962C8B-B14F-4D97-AF65-F5344CB8AC3E}">
-        <p14:creationId xmlns:p14="http://schemas.microsoft.com/office/powerpoint/2010/main" xmlns="" val="707876198"/>
+        <p14:creationId xmlns="" xmlns:p14="http://schemas.microsoft.com/office/powerpoint/2010/main" val="707876198"/>
       </p:ext>
     </p:extLst>
   </p:cSld>
@@ -31176,7 +31162,7 @@
           <p:cNvPr id="3" name="Content Placeholder 2">
             <a:extLst>
               <a:ext uri="{FF2B5EF4-FFF2-40B4-BE49-F238E27FC236}">
-                <a16:creationId xmlns:a16="http://schemas.microsoft.com/office/drawing/2014/main" xmlns="" id="{02D9390E-2D69-457A-8A63-8012338D7B7D}"/>
+                <a16:creationId xmlns="" xmlns:a16="http://schemas.microsoft.com/office/drawing/2014/main" id="{02D9390E-2D69-457A-8A63-8012338D7B7D}"/>
               </a:ext>
             </a:extLst>
           </p:cNvPr>
@@ -31207,7 +31193,7 @@
           <p:cNvPr id="7" name="Rectangle 3">
             <a:extLst>
               <a:ext uri="{FF2B5EF4-FFF2-40B4-BE49-F238E27FC236}">
-                <a16:creationId xmlns:a16="http://schemas.microsoft.com/office/drawing/2014/main" xmlns="" id="{77AD431A-2CDA-4D7C-B99C-717628C42C68}"/>
+                <a16:creationId xmlns="" xmlns:a16="http://schemas.microsoft.com/office/drawing/2014/main" id="{77AD431A-2CDA-4D7C-B99C-717628C42C68}"/>
               </a:ext>
             </a:extLst>
           </p:cNvPr>
@@ -31230,14 +31216,14 @@
           </a:ln>
           <a:extLst>
             <a:ext uri="{909E8E84-426E-40DD-AFC4-6F175D3DCCD1}">
-              <a14:hiddenFill xmlns:a14="http://schemas.microsoft.com/office/drawing/2010/main" xmlns="">
+              <a14:hiddenFill xmlns="" xmlns:a14="http://schemas.microsoft.com/office/drawing/2010/main">
                 <a:solidFill>
                   <a:srgbClr val="FFFFFF"/>
                 </a:solidFill>
               </a14:hiddenFill>
             </a:ext>
             <a:ext uri="{91240B29-F687-4F45-9708-019B960494DF}">
-              <a14:hiddenLine xmlns:a14="http://schemas.microsoft.com/office/drawing/2010/main" xmlns="" w="9525">
+              <a14:hiddenLine xmlns="" xmlns:a14="http://schemas.microsoft.com/office/drawing/2010/main" w="9525">
                 <a:solidFill>
                   <a:srgbClr val="000000"/>
                 </a:solidFill>
@@ -31672,7 +31658,7 @@
           <p:cNvPr id="8" name="Rectangle 4">
             <a:extLst>
               <a:ext uri="{FF2B5EF4-FFF2-40B4-BE49-F238E27FC236}">
-                <a16:creationId xmlns:a16="http://schemas.microsoft.com/office/drawing/2014/main" xmlns="" id="{C70917E9-9350-401B-A900-1BE1FE4DD132}"/>
+                <a16:creationId xmlns="" xmlns:a16="http://schemas.microsoft.com/office/drawing/2014/main" id="{C70917E9-9350-401B-A900-1BE1FE4DD132}"/>
               </a:ext>
             </a:extLst>
           </p:cNvPr>
@@ -31901,7 +31887,7 @@
           <p:cNvPr id="9" name="Rectangle 5">
             <a:extLst>
               <a:ext uri="{FF2B5EF4-FFF2-40B4-BE49-F238E27FC236}">
-                <a16:creationId xmlns:a16="http://schemas.microsoft.com/office/drawing/2014/main" xmlns="" id="{CD2F15BC-4C2D-4811-861F-1287F56B1541}"/>
+                <a16:creationId xmlns="" xmlns:a16="http://schemas.microsoft.com/office/drawing/2014/main" id="{CD2F15BC-4C2D-4811-861F-1287F56B1541}"/>
               </a:ext>
             </a:extLst>
           </p:cNvPr>
@@ -32130,7 +32116,7 @@
           <p:cNvPr id="11" name="Rectangle 6">
             <a:extLst>
               <a:ext uri="{FF2B5EF4-FFF2-40B4-BE49-F238E27FC236}">
-                <a16:creationId xmlns:a16="http://schemas.microsoft.com/office/drawing/2014/main" xmlns="" id="{9C78351B-1278-41F8-9BD8-B4260EA1DCAD}"/>
+                <a16:creationId xmlns="" xmlns:a16="http://schemas.microsoft.com/office/drawing/2014/main" id="{9C78351B-1278-41F8-9BD8-B4260EA1DCAD}"/>
               </a:ext>
             </a:extLst>
           </p:cNvPr>
@@ -32153,14 +32139,14 @@
           </a:ln>
           <a:extLst>
             <a:ext uri="{909E8E84-426E-40DD-AFC4-6F175D3DCCD1}">
-              <a14:hiddenFill xmlns:a14="http://schemas.microsoft.com/office/drawing/2010/main" xmlns="">
+              <a14:hiddenFill xmlns="" xmlns:a14="http://schemas.microsoft.com/office/drawing/2010/main">
                 <a:solidFill>
                   <a:srgbClr val="FFFFFF"/>
                 </a:solidFill>
               </a14:hiddenFill>
             </a:ext>
             <a:ext uri="{91240B29-F687-4F45-9708-019B960494DF}">
-              <a14:hiddenLine xmlns:a14="http://schemas.microsoft.com/office/drawing/2010/main" xmlns="" w="9525">
+              <a14:hiddenLine xmlns="" xmlns:a14="http://schemas.microsoft.com/office/drawing/2010/main" w="9525">
                 <a:solidFill>
                   <a:srgbClr val="000000"/>
                 </a:solidFill>
@@ -32606,7 +32592,7 @@
           <p:cNvPr id="13" name="Rectangle 7">
             <a:extLst>
               <a:ext uri="{FF2B5EF4-FFF2-40B4-BE49-F238E27FC236}">
-                <a16:creationId xmlns:a16="http://schemas.microsoft.com/office/drawing/2014/main" xmlns="" id="{62B13C5C-0028-4561-AB61-00785969A11D}"/>
+                <a16:creationId xmlns="" xmlns:a16="http://schemas.microsoft.com/office/drawing/2014/main" id="{62B13C5C-0028-4561-AB61-00785969A11D}"/>
               </a:ext>
             </a:extLst>
           </p:cNvPr>
@@ -32835,7 +32821,7 @@
           <p:cNvPr id="14" name="Rectangle 8">
             <a:extLst>
               <a:ext uri="{FF2B5EF4-FFF2-40B4-BE49-F238E27FC236}">
-                <a16:creationId xmlns:a16="http://schemas.microsoft.com/office/drawing/2014/main" xmlns="" id="{6D6F67EA-8CC4-494D-969F-45C9ABD300C5}"/>
+                <a16:creationId xmlns="" xmlns:a16="http://schemas.microsoft.com/office/drawing/2014/main" id="{6D6F67EA-8CC4-494D-969F-45C9ABD300C5}"/>
               </a:ext>
             </a:extLst>
           </p:cNvPr>
@@ -33062,7 +33048,7 @@
     </p:spTree>
     <p:extLst>
       <p:ext uri="{BB962C8B-B14F-4D97-AF65-F5344CB8AC3E}">
-        <p14:creationId xmlns:p14="http://schemas.microsoft.com/office/powerpoint/2010/main" xmlns="" val="1544556698"/>
+        <p14:creationId xmlns="" xmlns:p14="http://schemas.microsoft.com/office/powerpoint/2010/main" val="1544556698"/>
       </p:ext>
     </p:extLst>
   </p:cSld>
@@ -33169,7 +33155,7 @@
           <p:cNvPr id="3" name="Content Placeholder 2">
             <a:extLst>
               <a:ext uri="{FF2B5EF4-FFF2-40B4-BE49-F238E27FC236}">
-                <a16:creationId xmlns:a16="http://schemas.microsoft.com/office/drawing/2014/main" xmlns="" id="{02D9390E-2D69-457A-8A63-8012338D7B7D}"/>
+                <a16:creationId xmlns="" xmlns:a16="http://schemas.microsoft.com/office/drawing/2014/main" id="{02D9390E-2D69-457A-8A63-8012338D7B7D}"/>
               </a:ext>
             </a:extLst>
           </p:cNvPr>
@@ -33200,7 +33186,7 @@
           <p:cNvPr id="7" name="Rectangle 3">
             <a:extLst>
               <a:ext uri="{FF2B5EF4-FFF2-40B4-BE49-F238E27FC236}">
-                <a16:creationId xmlns:a16="http://schemas.microsoft.com/office/drawing/2014/main" xmlns="" id="{3BE9A699-7A4B-465F-9547-386E18990DC1}"/>
+                <a16:creationId xmlns="" xmlns:a16="http://schemas.microsoft.com/office/drawing/2014/main" id="{3BE9A699-7A4B-465F-9547-386E18990DC1}"/>
               </a:ext>
             </a:extLst>
           </p:cNvPr>
@@ -33223,14 +33209,14 @@
           </a:ln>
           <a:extLst>
             <a:ext uri="{909E8E84-426E-40DD-AFC4-6F175D3DCCD1}">
-              <a14:hiddenFill xmlns:a14="http://schemas.microsoft.com/office/drawing/2010/main" xmlns="">
+              <a14:hiddenFill xmlns="" xmlns:a14="http://schemas.microsoft.com/office/drawing/2010/main">
                 <a:solidFill>
                   <a:srgbClr val="FFFFFF"/>
                 </a:solidFill>
               </a14:hiddenFill>
             </a:ext>
             <a:ext uri="{91240B29-F687-4F45-9708-019B960494DF}">
-              <a14:hiddenLine xmlns:a14="http://schemas.microsoft.com/office/drawing/2010/main" xmlns="" w="9525">
+              <a14:hiddenLine xmlns="" xmlns:a14="http://schemas.microsoft.com/office/drawing/2010/main" w="9525">
                 <a:solidFill>
                   <a:srgbClr val="000000"/>
                 </a:solidFill>
@@ -33873,7 +33859,7 @@
           <p:cNvPr id="8" name="Rectangle 4">
             <a:extLst>
               <a:ext uri="{FF2B5EF4-FFF2-40B4-BE49-F238E27FC236}">
-                <a16:creationId xmlns:a16="http://schemas.microsoft.com/office/drawing/2014/main" xmlns="" id="{C1359807-1CF3-4246-AC02-E6240BCD287D}"/>
+                <a16:creationId xmlns="" xmlns:a16="http://schemas.microsoft.com/office/drawing/2014/main" id="{C1359807-1CF3-4246-AC02-E6240BCD287D}"/>
               </a:ext>
             </a:extLst>
           </p:cNvPr>
@@ -34102,7 +34088,7 @@
           <p:cNvPr id="9" name="Rectangle 5">
             <a:extLst>
               <a:ext uri="{FF2B5EF4-FFF2-40B4-BE49-F238E27FC236}">
-                <a16:creationId xmlns:a16="http://schemas.microsoft.com/office/drawing/2014/main" xmlns="" id="{A03EDE94-46C6-4D15-86A3-89248DC50795}"/>
+                <a16:creationId xmlns="" xmlns:a16="http://schemas.microsoft.com/office/drawing/2014/main" id="{A03EDE94-46C6-4D15-86A3-89248DC50795}"/>
               </a:ext>
             </a:extLst>
           </p:cNvPr>
@@ -34331,7 +34317,7 @@
           <p:cNvPr id="11" name="Rectangle 6">
             <a:extLst>
               <a:ext uri="{FF2B5EF4-FFF2-40B4-BE49-F238E27FC236}">
-                <a16:creationId xmlns:a16="http://schemas.microsoft.com/office/drawing/2014/main" xmlns="" id="{4A622D87-74CB-43A6-9AC6-D275396CD00C}"/>
+                <a16:creationId xmlns="" xmlns:a16="http://schemas.microsoft.com/office/drawing/2014/main" id="{4A622D87-74CB-43A6-9AC6-D275396CD00C}"/>
               </a:ext>
             </a:extLst>
           </p:cNvPr>
@@ -34558,7 +34544,7 @@
     </p:spTree>
     <p:extLst>
       <p:ext uri="{BB962C8B-B14F-4D97-AF65-F5344CB8AC3E}">
-        <p14:creationId xmlns:p14="http://schemas.microsoft.com/office/powerpoint/2010/main" xmlns="" val="661199813"/>
+        <p14:creationId xmlns="" xmlns:p14="http://schemas.microsoft.com/office/powerpoint/2010/main" val="661199813"/>
       </p:ext>
     </p:extLst>
   </p:cSld>
@@ -34665,7 +34651,7 @@
           <p:cNvPr id="3" name="Content Placeholder 2">
             <a:extLst>
               <a:ext uri="{FF2B5EF4-FFF2-40B4-BE49-F238E27FC236}">
-                <a16:creationId xmlns:a16="http://schemas.microsoft.com/office/drawing/2014/main" xmlns="" id="{02D9390E-2D69-457A-8A63-8012338D7B7D}"/>
+                <a16:creationId xmlns="" xmlns:a16="http://schemas.microsoft.com/office/drawing/2014/main" id="{02D9390E-2D69-457A-8A63-8012338D7B7D}"/>
               </a:ext>
             </a:extLst>
           </p:cNvPr>
@@ -34696,7 +34682,7 @@
           <p:cNvPr id="7" name="Rectangle 3">
             <a:extLst>
               <a:ext uri="{FF2B5EF4-FFF2-40B4-BE49-F238E27FC236}">
-                <a16:creationId xmlns:a16="http://schemas.microsoft.com/office/drawing/2014/main" xmlns="" id="{6A405C43-66F1-45B3-A3C2-46C4D435EBD6}"/>
+                <a16:creationId xmlns="" xmlns:a16="http://schemas.microsoft.com/office/drawing/2014/main" id="{6A405C43-66F1-45B3-A3C2-46C4D435EBD6}"/>
               </a:ext>
             </a:extLst>
           </p:cNvPr>
@@ -34719,14 +34705,14 @@
           </a:ln>
           <a:extLst>
             <a:ext uri="{909E8E84-426E-40DD-AFC4-6F175D3DCCD1}">
-              <a14:hiddenFill xmlns:a14="http://schemas.microsoft.com/office/drawing/2010/main" xmlns="">
+              <a14:hiddenFill xmlns="" xmlns:a14="http://schemas.microsoft.com/office/drawing/2010/main">
                 <a:solidFill>
                   <a:srgbClr val="FFFFFF"/>
                 </a:solidFill>
               </a14:hiddenFill>
             </a:ext>
             <a:ext uri="{91240B29-F687-4F45-9708-019B960494DF}">
-              <a14:hiddenLine xmlns:a14="http://schemas.microsoft.com/office/drawing/2010/main" xmlns="" w="9525">
+              <a14:hiddenLine xmlns="" xmlns:a14="http://schemas.microsoft.com/office/drawing/2010/main" w="9525">
                 <a:solidFill>
                   <a:srgbClr val="000000"/>
                 </a:solidFill>
@@ -35555,7 +35541,7 @@
     </p:spTree>
     <p:extLst>
       <p:ext uri="{BB962C8B-B14F-4D97-AF65-F5344CB8AC3E}">
-        <p14:creationId xmlns:p14="http://schemas.microsoft.com/office/powerpoint/2010/main" xmlns="" val="2907231337"/>
+        <p14:creationId xmlns="" xmlns:p14="http://schemas.microsoft.com/office/powerpoint/2010/main" val="2907231337"/>
       </p:ext>
     </p:extLst>
   </p:cSld>
@@ -35711,7 +35697,7 @@
     </p:spTree>
     <p:extLst>
       <p:ext uri="{BB962C8B-B14F-4D97-AF65-F5344CB8AC3E}">
-        <p14:creationId xmlns:p14="http://schemas.microsoft.com/office/powerpoint/2010/main" xmlns="" val="51877935"/>
+        <p14:creationId xmlns="" xmlns:p14="http://schemas.microsoft.com/office/powerpoint/2010/main" val="51877935"/>
       </p:ext>
     </p:extLst>
   </p:cSld>
@@ -35818,7 +35804,7 @@
           <p:cNvPr id="3" name="Content Placeholder 2">
             <a:extLst>
               <a:ext uri="{FF2B5EF4-FFF2-40B4-BE49-F238E27FC236}">
-                <a16:creationId xmlns:a16="http://schemas.microsoft.com/office/drawing/2014/main" xmlns="" id="{02D9390E-2D69-457A-8A63-8012338D7B7D}"/>
+                <a16:creationId xmlns="" xmlns:a16="http://schemas.microsoft.com/office/drawing/2014/main" id="{02D9390E-2D69-457A-8A63-8012338D7B7D}"/>
               </a:ext>
             </a:extLst>
           </p:cNvPr>
@@ -35849,7 +35835,7 @@
           <p:cNvPr id="7" name="Rectangle 3">
             <a:extLst>
               <a:ext uri="{FF2B5EF4-FFF2-40B4-BE49-F238E27FC236}">
-                <a16:creationId xmlns:a16="http://schemas.microsoft.com/office/drawing/2014/main" xmlns="" id="{D4006997-B47A-410B-870B-B9F08E31BE7B}"/>
+                <a16:creationId xmlns="" xmlns:a16="http://schemas.microsoft.com/office/drawing/2014/main" id="{D4006997-B47A-410B-870B-B9F08E31BE7B}"/>
               </a:ext>
             </a:extLst>
           </p:cNvPr>
@@ -35872,14 +35858,14 @@
           </a:ln>
           <a:extLst>
             <a:ext uri="{909E8E84-426E-40DD-AFC4-6F175D3DCCD1}">
-              <a14:hiddenFill xmlns:a14="http://schemas.microsoft.com/office/drawing/2010/main" xmlns="">
+              <a14:hiddenFill xmlns="" xmlns:a14="http://schemas.microsoft.com/office/drawing/2010/main">
                 <a:solidFill>
                   <a:srgbClr val="FFFFFF"/>
                 </a:solidFill>
               </a14:hiddenFill>
             </a:ext>
             <a:ext uri="{91240B29-F687-4F45-9708-019B960494DF}">
-              <a14:hiddenLine xmlns:a14="http://schemas.microsoft.com/office/drawing/2010/main" xmlns="" w="9525">
+              <a14:hiddenLine xmlns="" xmlns:a14="http://schemas.microsoft.com/office/drawing/2010/main" w="9525">
                 <a:solidFill>
                   <a:srgbClr val="000000"/>
                 </a:solidFill>
@@ -36180,7 +36166,7 @@
           <p:cNvPr id="8" name="Rectangle 4">
             <a:extLst>
               <a:ext uri="{FF2B5EF4-FFF2-40B4-BE49-F238E27FC236}">
-                <a16:creationId xmlns:a16="http://schemas.microsoft.com/office/drawing/2014/main" xmlns="" id="{362CECB4-9207-41F5-B5DE-1B321309AA8C}"/>
+                <a16:creationId xmlns="" xmlns:a16="http://schemas.microsoft.com/office/drawing/2014/main" id="{362CECB4-9207-41F5-B5DE-1B321309AA8C}"/>
               </a:ext>
             </a:extLst>
           </p:cNvPr>
@@ -36409,7 +36395,7 @@
           <p:cNvPr id="9" name="Rectangle 5">
             <a:extLst>
               <a:ext uri="{FF2B5EF4-FFF2-40B4-BE49-F238E27FC236}">
-                <a16:creationId xmlns:a16="http://schemas.microsoft.com/office/drawing/2014/main" xmlns="" id="{238D0B79-13F9-4666-8457-79005F5D459A}"/>
+                <a16:creationId xmlns="" xmlns:a16="http://schemas.microsoft.com/office/drawing/2014/main" id="{238D0B79-13F9-4666-8457-79005F5D459A}"/>
               </a:ext>
             </a:extLst>
           </p:cNvPr>
@@ -36432,14 +36418,14 @@
           </a:ln>
           <a:extLst>
             <a:ext uri="{909E8E84-426E-40DD-AFC4-6F175D3DCCD1}">
-              <a14:hiddenFill xmlns:a14="http://schemas.microsoft.com/office/drawing/2010/main" xmlns="">
+              <a14:hiddenFill xmlns="" xmlns:a14="http://schemas.microsoft.com/office/drawing/2010/main">
                 <a:solidFill>
                   <a:srgbClr val="FFFFFF"/>
                 </a:solidFill>
               </a14:hiddenFill>
             </a:ext>
             <a:ext uri="{91240B29-F687-4F45-9708-019B960494DF}">
-              <a14:hiddenLine xmlns:a14="http://schemas.microsoft.com/office/drawing/2010/main" xmlns="" w="9525">
+              <a14:hiddenLine xmlns="" xmlns:a14="http://schemas.microsoft.com/office/drawing/2010/main" w="9525">
                 <a:solidFill>
                   <a:srgbClr val="000000"/>
                 </a:solidFill>
@@ -36749,7 +36735,7 @@
     </p:spTree>
     <p:extLst>
       <p:ext uri="{BB962C8B-B14F-4D97-AF65-F5344CB8AC3E}">
-        <p14:creationId xmlns:p14="http://schemas.microsoft.com/office/powerpoint/2010/main" xmlns="" val="3270180354"/>
+        <p14:creationId xmlns="" xmlns:p14="http://schemas.microsoft.com/office/powerpoint/2010/main" val="3270180354"/>
       </p:ext>
     </p:extLst>
   </p:cSld>
@@ -36856,7 +36842,7 @@
           <p:cNvPr id="3" name="Content Placeholder 2">
             <a:extLst>
               <a:ext uri="{FF2B5EF4-FFF2-40B4-BE49-F238E27FC236}">
-                <a16:creationId xmlns:a16="http://schemas.microsoft.com/office/drawing/2014/main" xmlns="" id="{02D9390E-2D69-457A-8A63-8012338D7B7D}"/>
+                <a16:creationId xmlns="" xmlns:a16="http://schemas.microsoft.com/office/drawing/2014/main" id="{02D9390E-2D69-457A-8A63-8012338D7B7D}"/>
               </a:ext>
             </a:extLst>
           </p:cNvPr>
@@ -36887,7 +36873,7 @@
           <p:cNvPr id="7" name="Rectangle 3">
             <a:extLst>
               <a:ext uri="{FF2B5EF4-FFF2-40B4-BE49-F238E27FC236}">
-                <a16:creationId xmlns:a16="http://schemas.microsoft.com/office/drawing/2014/main" xmlns="" id="{573C62B4-BA80-4229-93FA-3FF2F36AB797}"/>
+                <a16:creationId xmlns="" xmlns:a16="http://schemas.microsoft.com/office/drawing/2014/main" id="{573C62B4-BA80-4229-93FA-3FF2F36AB797}"/>
               </a:ext>
             </a:extLst>
           </p:cNvPr>
@@ -36910,14 +36896,14 @@
           </a:ln>
           <a:extLst>
             <a:ext uri="{909E8E84-426E-40DD-AFC4-6F175D3DCCD1}">
-              <a14:hiddenFill xmlns:a14="http://schemas.microsoft.com/office/drawing/2010/main" xmlns="">
+              <a14:hiddenFill xmlns="" xmlns:a14="http://schemas.microsoft.com/office/drawing/2010/main">
                 <a:solidFill>
                   <a:srgbClr val="FFFFFF"/>
                 </a:solidFill>
               </a14:hiddenFill>
             </a:ext>
             <a:ext uri="{91240B29-F687-4F45-9708-019B960494DF}">
-              <a14:hiddenLine xmlns:a14="http://schemas.microsoft.com/office/drawing/2010/main" xmlns="" w="9525">
+              <a14:hiddenLine xmlns="" xmlns:a14="http://schemas.microsoft.com/office/drawing/2010/main" w="9525">
                 <a:solidFill>
                   <a:srgbClr val="000000"/>
                 </a:solidFill>
@@ -37227,7 +37213,7 @@
           <p:cNvPr id="8" name="Rectangle 4">
             <a:extLst>
               <a:ext uri="{FF2B5EF4-FFF2-40B4-BE49-F238E27FC236}">
-                <a16:creationId xmlns:a16="http://schemas.microsoft.com/office/drawing/2014/main" xmlns="" id="{EDFF79B5-DB50-4466-A3AC-5714C74316C6}"/>
+                <a16:creationId xmlns="" xmlns:a16="http://schemas.microsoft.com/office/drawing/2014/main" id="{EDFF79B5-DB50-4466-A3AC-5714C74316C6}"/>
               </a:ext>
             </a:extLst>
           </p:cNvPr>
@@ -37456,7 +37442,7 @@
           <p:cNvPr id="9" name="Rectangle 5">
             <a:extLst>
               <a:ext uri="{FF2B5EF4-FFF2-40B4-BE49-F238E27FC236}">
-                <a16:creationId xmlns:a16="http://schemas.microsoft.com/office/drawing/2014/main" xmlns="" id="{A02B33A6-E786-4EA9-9BC1-A8D995613A8D}"/>
+                <a16:creationId xmlns="" xmlns:a16="http://schemas.microsoft.com/office/drawing/2014/main" id="{A02B33A6-E786-4EA9-9BC1-A8D995613A8D}"/>
               </a:ext>
             </a:extLst>
           </p:cNvPr>
@@ -37479,14 +37465,14 @@
           </a:ln>
           <a:extLst>
             <a:ext uri="{909E8E84-426E-40DD-AFC4-6F175D3DCCD1}">
-              <a14:hiddenFill xmlns:a14="http://schemas.microsoft.com/office/drawing/2010/main" xmlns="">
+              <a14:hiddenFill xmlns="" xmlns:a14="http://schemas.microsoft.com/office/drawing/2010/main">
                 <a:solidFill>
                   <a:srgbClr val="FFFFFF"/>
                 </a:solidFill>
               </a14:hiddenFill>
             </a:ext>
             <a:ext uri="{91240B29-F687-4F45-9708-019B960494DF}">
-              <a14:hiddenLine xmlns:a14="http://schemas.microsoft.com/office/drawing/2010/main" xmlns="" w="9525">
+              <a14:hiddenLine xmlns="" xmlns:a14="http://schemas.microsoft.com/office/drawing/2010/main" w="9525">
                 <a:solidFill>
                   <a:srgbClr val="000000"/>
                 </a:solidFill>
@@ -37816,7 +37802,7 @@
           <p:cNvPr id="11" name="Rectangle 6">
             <a:extLst>
               <a:ext uri="{FF2B5EF4-FFF2-40B4-BE49-F238E27FC236}">
-                <a16:creationId xmlns:a16="http://schemas.microsoft.com/office/drawing/2014/main" xmlns="" id="{90F01126-C235-4C3A-8463-BA47A1E3DD48}"/>
+                <a16:creationId xmlns="" xmlns:a16="http://schemas.microsoft.com/office/drawing/2014/main" id="{90F01126-C235-4C3A-8463-BA47A1E3DD48}"/>
               </a:ext>
             </a:extLst>
           </p:cNvPr>
@@ -38045,7 +38031,7 @@
           <p:cNvPr id="13" name="Rectangle 7">
             <a:extLst>
               <a:ext uri="{FF2B5EF4-FFF2-40B4-BE49-F238E27FC236}">
-                <a16:creationId xmlns:a16="http://schemas.microsoft.com/office/drawing/2014/main" xmlns="" id="{9BD66909-6636-424F-BF4B-ECAD98073843}"/>
+                <a16:creationId xmlns="" xmlns:a16="http://schemas.microsoft.com/office/drawing/2014/main" id="{9BD66909-6636-424F-BF4B-ECAD98073843}"/>
               </a:ext>
             </a:extLst>
           </p:cNvPr>
@@ -38068,14 +38054,14 @@
           </a:ln>
           <a:extLst>
             <a:ext uri="{909E8E84-426E-40DD-AFC4-6F175D3DCCD1}">
-              <a14:hiddenFill xmlns:a14="http://schemas.microsoft.com/office/drawing/2010/main" xmlns="">
+              <a14:hiddenFill xmlns="" xmlns:a14="http://schemas.microsoft.com/office/drawing/2010/main">
                 <a:solidFill>
                   <a:srgbClr val="FFFFFF"/>
                 </a:solidFill>
               </a14:hiddenFill>
             </a:ext>
             <a:ext uri="{91240B29-F687-4F45-9708-019B960494DF}">
-              <a14:hiddenLine xmlns:a14="http://schemas.microsoft.com/office/drawing/2010/main" xmlns="" w="9525">
+              <a14:hiddenLine xmlns="" xmlns:a14="http://schemas.microsoft.com/office/drawing/2010/main" w="9525">
                 <a:solidFill>
                   <a:srgbClr val="000000"/>
                 </a:solidFill>
@@ -38442,7 +38428,7 @@
           <p:cNvPr id="14" name="Rectangle 8">
             <a:extLst>
               <a:ext uri="{FF2B5EF4-FFF2-40B4-BE49-F238E27FC236}">
-                <a16:creationId xmlns:a16="http://schemas.microsoft.com/office/drawing/2014/main" xmlns="" id="{9C603ACB-1491-4DA4-B2B7-20CC6BC88D61}"/>
+                <a16:creationId xmlns="" xmlns:a16="http://schemas.microsoft.com/office/drawing/2014/main" id="{9C603ACB-1491-4DA4-B2B7-20CC6BC88D61}"/>
               </a:ext>
             </a:extLst>
           </p:cNvPr>
@@ -38669,7 +38655,7 @@
     </p:spTree>
     <p:extLst>
       <p:ext uri="{BB962C8B-B14F-4D97-AF65-F5344CB8AC3E}">
-        <p14:creationId xmlns:p14="http://schemas.microsoft.com/office/powerpoint/2010/main" xmlns="" val="410856418"/>
+        <p14:creationId xmlns="" xmlns:p14="http://schemas.microsoft.com/office/powerpoint/2010/main" val="410856418"/>
       </p:ext>
     </p:extLst>
   </p:cSld>
@@ -38776,7 +38762,7 @@
           <p:cNvPr id="3" name="Content Placeholder 2">
             <a:extLst>
               <a:ext uri="{FF2B5EF4-FFF2-40B4-BE49-F238E27FC236}">
-                <a16:creationId xmlns:a16="http://schemas.microsoft.com/office/drawing/2014/main" xmlns="" id="{02D9390E-2D69-457A-8A63-8012338D7B7D}"/>
+                <a16:creationId xmlns="" xmlns:a16="http://schemas.microsoft.com/office/drawing/2014/main" id="{02D9390E-2D69-457A-8A63-8012338D7B7D}"/>
               </a:ext>
             </a:extLst>
           </p:cNvPr>
@@ -38807,7 +38793,7 @@
           <p:cNvPr id="7" name="Rectangle 3">
             <a:extLst>
               <a:ext uri="{FF2B5EF4-FFF2-40B4-BE49-F238E27FC236}">
-                <a16:creationId xmlns:a16="http://schemas.microsoft.com/office/drawing/2014/main" xmlns="" id="{FA306D2D-5583-40F8-B92D-FC2433F89369}"/>
+                <a16:creationId xmlns="" xmlns:a16="http://schemas.microsoft.com/office/drawing/2014/main" id="{FA306D2D-5583-40F8-B92D-FC2433F89369}"/>
               </a:ext>
             </a:extLst>
           </p:cNvPr>
@@ -38830,14 +38816,14 @@
           </a:ln>
           <a:extLst>
             <a:ext uri="{909E8E84-426E-40DD-AFC4-6F175D3DCCD1}">
-              <a14:hiddenFill xmlns:a14="http://schemas.microsoft.com/office/drawing/2010/main" xmlns="">
+              <a14:hiddenFill xmlns="" xmlns:a14="http://schemas.microsoft.com/office/drawing/2010/main">
                 <a:solidFill>
                   <a:srgbClr val="FFFFFF"/>
                 </a:solidFill>
               </a14:hiddenFill>
             </a:ext>
             <a:ext uri="{91240B29-F687-4F45-9708-019B960494DF}">
-              <a14:hiddenLine xmlns:a14="http://schemas.microsoft.com/office/drawing/2010/main" xmlns="" w="9525">
+              <a14:hiddenLine xmlns="" xmlns:a14="http://schemas.microsoft.com/office/drawing/2010/main" w="9525">
                 <a:solidFill>
                   <a:srgbClr val="000000"/>
                 </a:solidFill>
@@ -39667,7 +39653,7 @@
           <p:cNvPr id="8" name="Rectangle 4">
             <a:extLst>
               <a:ext uri="{FF2B5EF4-FFF2-40B4-BE49-F238E27FC236}">
-                <a16:creationId xmlns:a16="http://schemas.microsoft.com/office/drawing/2014/main" xmlns="" id="{5AC9BB54-4D92-4420-9C28-A540F9048C51}"/>
+                <a16:creationId xmlns="" xmlns:a16="http://schemas.microsoft.com/office/drawing/2014/main" id="{5AC9BB54-4D92-4420-9C28-A540F9048C51}"/>
               </a:ext>
             </a:extLst>
           </p:cNvPr>
@@ -39695,7 +39681,7 @@
           </a:ln>
           <a:extLst>
             <a:ext uri="{909E8E84-426E-40DD-AFC4-6F175D3DCCD1}">
-              <a14:hiddenFill xmlns:a14="http://schemas.microsoft.com/office/drawing/2010/main" xmlns="">
+              <a14:hiddenFill xmlns="" xmlns:a14="http://schemas.microsoft.com/office/drawing/2010/main">
                 <a:solidFill>
                   <a:srgbClr val="FFFFFF"/>
                 </a:solidFill>
@@ -39900,7 +39886,7 @@
     </p:spTree>
     <p:extLst>
       <p:ext uri="{BB962C8B-B14F-4D97-AF65-F5344CB8AC3E}">
-        <p14:creationId xmlns:p14="http://schemas.microsoft.com/office/powerpoint/2010/main" xmlns="" val="3326900570"/>
+        <p14:creationId xmlns="" xmlns:p14="http://schemas.microsoft.com/office/powerpoint/2010/main" val="3326900570"/>
       </p:ext>
     </p:extLst>
   </p:cSld>
@@ -40007,7 +39993,7 @@
           <p:cNvPr id="3" name="Content Placeholder 2">
             <a:extLst>
               <a:ext uri="{FF2B5EF4-FFF2-40B4-BE49-F238E27FC236}">
-                <a16:creationId xmlns:a16="http://schemas.microsoft.com/office/drawing/2014/main" xmlns="" id="{02D9390E-2D69-457A-8A63-8012338D7B7D}"/>
+                <a16:creationId xmlns="" xmlns:a16="http://schemas.microsoft.com/office/drawing/2014/main" id="{02D9390E-2D69-457A-8A63-8012338D7B7D}"/>
               </a:ext>
             </a:extLst>
           </p:cNvPr>
@@ -40038,7 +40024,7 @@
           <p:cNvPr id="7" name="Rectangle 3">
             <a:extLst>
               <a:ext uri="{FF2B5EF4-FFF2-40B4-BE49-F238E27FC236}">
-                <a16:creationId xmlns:a16="http://schemas.microsoft.com/office/drawing/2014/main" xmlns="" id="{03CC276D-5B37-4716-AE20-1AA4B3D1DC58}"/>
+                <a16:creationId xmlns="" xmlns:a16="http://schemas.microsoft.com/office/drawing/2014/main" id="{03CC276D-5B37-4716-AE20-1AA4B3D1DC58}"/>
               </a:ext>
             </a:extLst>
           </p:cNvPr>
@@ -40061,14 +40047,14 @@
           </a:ln>
           <a:extLst>
             <a:ext uri="{909E8E84-426E-40DD-AFC4-6F175D3DCCD1}">
-              <a14:hiddenFill xmlns:a14="http://schemas.microsoft.com/office/drawing/2010/main" xmlns="">
+              <a14:hiddenFill xmlns="" xmlns:a14="http://schemas.microsoft.com/office/drawing/2010/main">
                 <a:solidFill>
                   <a:srgbClr val="FFFFFF"/>
                 </a:solidFill>
               </a14:hiddenFill>
             </a:ext>
             <a:ext uri="{91240B29-F687-4F45-9708-019B960494DF}">
-              <a14:hiddenLine xmlns:a14="http://schemas.microsoft.com/office/drawing/2010/main" xmlns="" w="9525">
+              <a14:hiddenLine xmlns="" xmlns:a14="http://schemas.microsoft.com/office/drawing/2010/main" w="9525">
                 <a:solidFill>
                   <a:srgbClr val="000000"/>
                 </a:solidFill>
@@ -40846,7 +40832,7 @@
           <p:cNvPr id="8" name="Rectangle 4">
             <a:extLst>
               <a:ext uri="{FF2B5EF4-FFF2-40B4-BE49-F238E27FC236}">
-                <a16:creationId xmlns:a16="http://schemas.microsoft.com/office/drawing/2014/main" xmlns="" id="{22C667BB-BE1A-4E42-9202-F22A6A773D4C}"/>
+                <a16:creationId xmlns="" xmlns:a16="http://schemas.microsoft.com/office/drawing/2014/main" id="{22C667BB-BE1A-4E42-9202-F22A6A773D4C}"/>
               </a:ext>
             </a:extLst>
           </p:cNvPr>
@@ -40874,7 +40860,7 @@
           </a:ln>
           <a:extLst>
             <a:ext uri="{909E8E84-426E-40DD-AFC4-6F175D3DCCD1}">
-              <a14:hiddenFill xmlns:a14="http://schemas.microsoft.com/office/drawing/2010/main" xmlns="">
+              <a14:hiddenFill xmlns="" xmlns:a14="http://schemas.microsoft.com/office/drawing/2010/main">
                 <a:solidFill>
                   <a:srgbClr val="FFFFFF"/>
                 </a:solidFill>
@@ -41081,7 +41067,7 @@
           <p:cNvPr id="9" name="Rectangle 5">
             <a:extLst>
               <a:ext uri="{FF2B5EF4-FFF2-40B4-BE49-F238E27FC236}">
-                <a16:creationId xmlns:a16="http://schemas.microsoft.com/office/drawing/2014/main" xmlns="" id="{26416BC4-D089-4138-8185-34999288BB74}"/>
+                <a16:creationId xmlns="" xmlns:a16="http://schemas.microsoft.com/office/drawing/2014/main" id="{26416BC4-D089-4138-8185-34999288BB74}"/>
               </a:ext>
             </a:extLst>
           </p:cNvPr>
@@ -41310,7 +41296,7 @@
           <p:cNvPr id="11" name="AutoShape 6">
             <a:extLst>
               <a:ext uri="{FF2B5EF4-FFF2-40B4-BE49-F238E27FC236}">
-                <a16:creationId xmlns:a16="http://schemas.microsoft.com/office/drawing/2014/main" xmlns="" id="{ADBF95C5-E277-4203-9C8D-C04057A6329D}"/>
+                <a16:creationId xmlns="" xmlns:a16="http://schemas.microsoft.com/office/drawing/2014/main" id="{ADBF95C5-E277-4203-9C8D-C04057A6329D}"/>
               </a:ext>
             </a:extLst>
           </p:cNvPr>
@@ -41539,7 +41525,7 @@
     </p:spTree>
     <p:extLst>
       <p:ext uri="{BB962C8B-B14F-4D97-AF65-F5344CB8AC3E}">
-        <p14:creationId xmlns:p14="http://schemas.microsoft.com/office/powerpoint/2010/main" xmlns="" val="151665903"/>
+        <p14:creationId xmlns="" xmlns:p14="http://schemas.microsoft.com/office/powerpoint/2010/main" val="151665903"/>
       </p:ext>
     </p:extLst>
   </p:cSld>
@@ -41649,7 +41635,7 @@
           <p:cNvPr id="3" name="Content Placeholder 2">
             <a:extLst>
               <a:ext uri="{FF2B5EF4-FFF2-40B4-BE49-F238E27FC236}">
-                <a16:creationId xmlns:a16="http://schemas.microsoft.com/office/drawing/2014/main" xmlns="" id="{02D9390E-2D69-457A-8A63-8012338D7B7D}"/>
+                <a16:creationId xmlns="" xmlns:a16="http://schemas.microsoft.com/office/drawing/2014/main" id="{02D9390E-2D69-457A-8A63-8012338D7B7D}"/>
               </a:ext>
             </a:extLst>
           </p:cNvPr>
@@ -41815,7 +41801,7 @@
     </p:spTree>
     <p:extLst>
       <p:ext uri="{BB962C8B-B14F-4D97-AF65-F5344CB8AC3E}">
-        <p14:creationId xmlns:p14="http://schemas.microsoft.com/office/powerpoint/2010/main" xmlns="" val="840049336"/>
+        <p14:creationId xmlns="" xmlns:p14="http://schemas.microsoft.com/office/powerpoint/2010/main" val="840049336"/>
       </p:ext>
     </p:extLst>
   </p:cSld>
@@ -41996,7 +41982,7 @@
     </p:spTree>
     <p:extLst>
       <p:ext uri="{BB962C8B-B14F-4D97-AF65-F5344CB8AC3E}">
-        <p14:creationId xmlns:p14="http://schemas.microsoft.com/office/powerpoint/2010/main" xmlns="" val="739683668"/>
+        <p14:creationId xmlns="" xmlns:p14="http://schemas.microsoft.com/office/powerpoint/2010/main" val="739683668"/>
       </p:ext>
     </p:extLst>
   </p:cSld>
@@ -42129,7 +42115,7 @@
     </p:spTree>
     <p:extLst>
       <p:ext uri="{BB962C8B-B14F-4D97-AF65-F5344CB8AC3E}">
-        <p14:creationId xmlns:p14="http://schemas.microsoft.com/office/powerpoint/2010/main" xmlns="" val="1261194124"/>
+        <p14:creationId xmlns="" xmlns:p14="http://schemas.microsoft.com/office/powerpoint/2010/main" val="1261194124"/>
       </p:ext>
     </p:extLst>
   </p:cSld>
@@ -42709,7 +42695,7 @@
     </p:spTree>
     <p:extLst>
       <p:ext uri="{BB962C8B-B14F-4D97-AF65-F5344CB8AC3E}">
-        <p14:creationId xmlns:p14="http://schemas.microsoft.com/office/powerpoint/2010/main" xmlns="" val="951659939"/>
+        <p14:creationId xmlns="" xmlns:p14="http://schemas.microsoft.com/office/powerpoint/2010/main" val="951659939"/>
       </p:ext>
     </p:extLst>
   </p:cSld>
@@ -42982,7 +42968,7 @@
     </p:spTree>
     <p:extLst>
       <p:ext uri="{BB962C8B-B14F-4D97-AF65-F5344CB8AC3E}">
-        <p14:creationId xmlns:p14="http://schemas.microsoft.com/office/powerpoint/2010/main" xmlns="" val="649184941"/>
+        <p14:creationId xmlns="" xmlns:p14="http://schemas.microsoft.com/office/powerpoint/2010/main" val="649184941"/>
       </p:ext>
     </p:extLst>
   </p:cSld>
@@ -43305,7 +43291,7 @@
   <a:extraClrSchemeLst/>
   <a:extLst>
     <a:ext uri="{05A4C25C-085E-4340-85A3-A5531E510DB2}">
-      <thm15:themeFamily xmlns:thm15="http://schemas.microsoft.com/office/thememl/2012/main" xmlns="" name="eye_tracker_presentation" id="{00ED1D97-A04B-46A0-BB71-88655A6B057F}" vid="{F36189FA-3966-4852-951E-5734674D1C7B}"/>
+      <thm15:themeFamily xmlns="" xmlns:thm15="http://schemas.microsoft.com/office/thememl/2012/main" name="eye_tracker_presentation" id="{00ED1D97-A04B-46A0-BB71-88655A6B057F}" vid="{F36189FA-3966-4852-951E-5734674D1C7B}"/>
     </a:ext>
   </a:extLst>
 </a:theme>
@@ -43600,7 +43586,7 @@
   <a:extraClrSchemeLst/>
   <a:extLst>
     <a:ext uri="{05A4C25C-085E-4340-85A3-A5531E510DB2}">
-      <thm15:themeFamily xmlns:thm15="http://schemas.microsoft.com/office/thememl/2012/main" xmlns="" name="Office Theme" id="{62F939B6-93AF-4DB8-9C6B-D6C7DFDC589F}" vid="{4A3C46E8-61CC-4603-A589-7422A47A8E4A}"/>
+      <thm15:themeFamily xmlns="" xmlns:thm15="http://schemas.microsoft.com/office/thememl/2012/main" name="Office Theme" id="{62F939B6-93AF-4DB8-9C6B-D6C7DFDC589F}" vid="{4A3C46E8-61CC-4603-A589-7422A47A8E4A}"/>
     </a:ext>
   </a:extLst>
 </a:theme>
